--- a/presentation/lokalise.pptx
+++ b/presentation/lokalise.pptx
@@ -24941,7 +24941,7 @@
           <a:p>
             <a:fld id="{2273CC90-A67F-4708-9529-363743F6AB5F}" type="datetimeFigureOut">
               <a:rPr lang="it-IT" smtClean="0"/>
-              <a:t>14/03/2018</a:t>
+              <a:t>12/04/2018</a:t>
             </a:fld>
             <a:endParaRPr lang="it-IT"/>
           </a:p>
@@ -25939,7 +25939,7 @@
             <a:fld id="{B61BEF0D-F0BB-DE4B-95CE-6DB70DBA9567}" type="datetimeFigureOut">
               <a:rPr lang="en-US" smtClean="0"/>
               <a:pPr/>
-              <a:t>3/14/2018</a:t>
+              <a:t>4/12/2018</a:t>
             </a:fld>
             <a:endParaRPr lang="en-US" dirty="0"/>
           </a:p>
@@ -26111,7 +26111,7 @@
             <a:fld id="{B61BEF0D-F0BB-DE4B-95CE-6DB70DBA9567}" type="datetimeFigureOut">
               <a:rPr lang="en-US" smtClean="0"/>
               <a:pPr/>
-              <a:t>3/14/2018</a:t>
+              <a:t>4/12/2018</a:t>
             </a:fld>
             <a:endParaRPr lang="en-US" dirty="0"/>
           </a:p>
@@ -26293,7 +26293,7 @@
             <a:fld id="{B61BEF0D-F0BB-DE4B-95CE-6DB70DBA9567}" type="datetimeFigureOut">
               <a:rPr lang="en-US" smtClean="0"/>
               <a:pPr/>
-              <a:t>3/14/2018</a:t>
+              <a:t>4/12/2018</a:t>
             </a:fld>
             <a:endParaRPr lang="en-US" dirty="0"/>
           </a:p>
@@ -26498,7 +26498,7 @@
             <a:fld id="{B61BEF0D-F0BB-DE4B-95CE-6DB70DBA9567}" type="datetimeFigureOut">
               <a:rPr lang="en-US" smtClean="0"/>
               <a:pPr/>
-              <a:t>3/14/2018</a:t>
+              <a:t>4/12/2018</a:t>
             </a:fld>
             <a:endParaRPr lang="en-US" dirty="0"/>
           </a:p>
@@ -26670,7 +26670,7 @@
             <a:fld id="{B61BEF0D-F0BB-DE4B-95CE-6DB70DBA9567}" type="datetimeFigureOut">
               <a:rPr lang="en-US" smtClean="0"/>
               <a:pPr/>
-              <a:t>3/14/2018</a:t>
+              <a:t>4/12/2018</a:t>
             </a:fld>
             <a:endParaRPr lang="en-US" dirty="0"/>
           </a:p>
@@ -26923,7 +26923,7 @@
             <a:fld id="{B61BEF0D-F0BB-DE4B-95CE-6DB70DBA9567}" type="datetimeFigureOut">
               <a:rPr lang="en-US" smtClean="0"/>
               <a:pPr/>
-              <a:t>3/14/2018</a:t>
+              <a:t>4/12/2018</a:t>
             </a:fld>
             <a:endParaRPr lang="en-US" dirty="0"/>
           </a:p>
@@ -27157,7 +27157,7 @@
             <a:fld id="{B61BEF0D-F0BB-DE4B-95CE-6DB70DBA9567}" type="datetimeFigureOut">
               <a:rPr lang="en-US" smtClean="0"/>
               <a:pPr/>
-              <a:t>3/14/2018</a:t>
+              <a:t>4/12/2018</a:t>
             </a:fld>
             <a:endParaRPr lang="en-US" dirty="0"/>
           </a:p>
@@ -27511,7 +27511,7 @@
             <a:fld id="{B61BEF0D-F0BB-DE4B-95CE-6DB70DBA9567}" type="datetimeFigureOut">
               <a:rPr lang="en-US" smtClean="0"/>
               <a:pPr/>
-              <a:t>3/14/2018</a:t>
+              <a:t>4/12/2018</a:t>
             </a:fld>
             <a:endParaRPr lang="en-US" dirty="0"/>
           </a:p>
@@ -27636,7 +27636,7 @@
             <a:fld id="{B61BEF0D-F0BB-DE4B-95CE-6DB70DBA9567}" type="datetimeFigureOut">
               <a:rPr lang="en-US" smtClean="0"/>
               <a:pPr/>
-              <a:t>3/14/2018</a:t>
+              <a:t>4/12/2018</a:t>
             </a:fld>
             <a:endParaRPr lang="en-US" dirty="0"/>
           </a:p>
@@ -27756,7 +27756,7 @@
             <a:fld id="{B61BEF0D-F0BB-DE4B-95CE-6DB70DBA9567}" type="datetimeFigureOut">
               <a:rPr lang="en-US" smtClean="0"/>
               <a:pPr/>
-              <a:t>3/14/2018</a:t>
+              <a:t>4/12/2018</a:t>
             </a:fld>
             <a:endParaRPr lang="en-US" dirty="0"/>
           </a:p>
@@ -28042,7 +28042,7 @@
             <a:fld id="{B61BEF0D-F0BB-DE4B-95CE-6DB70DBA9567}" type="datetimeFigureOut">
               <a:rPr lang="en-US" smtClean="0"/>
               <a:pPr/>
-              <a:t>3/14/2018</a:t>
+              <a:t>4/12/2018</a:t>
             </a:fld>
             <a:endParaRPr lang="en-US" dirty="0"/>
           </a:p>
@@ -28219,7 +28219,7 @@
             <a:fld id="{B61BEF0D-F0BB-DE4B-95CE-6DB70DBA9567}" type="datetimeFigureOut">
               <a:rPr lang="en-US" smtClean="0"/>
               <a:pPr/>
-              <a:t>3/14/2018</a:t>
+              <a:t>4/12/2018</a:t>
             </a:fld>
             <a:endParaRPr lang="en-US" dirty="0"/>
           </a:p>
@@ -28485,7 +28485,7 @@
             <a:fld id="{B61BEF0D-F0BB-DE4B-95CE-6DB70DBA9567}" type="datetimeFigureOut">
               <a:rPr lang="en-US" smtClean="0"/>
               <a:pPr/>
-              <a:t>3/14/2018</a:t>
+              <a:t>4/12/2018</a:t>
             </a:fld>
             <a:endParaRPr lang="en-US" dirty="0"/>
           </a:p>
@@ -28657,7 +28657,7 @@
             <a:fld id="{B61BEF0D-F0BB-DE4B-95CE-6DB70DBA9567}" type="datetimeFigureOut">
               <a:rPr lang="en-US" smtClean="0"/>
               <a:pPr/>
-              <a:t>3/14/2018</a:t>
+              <a:t>4/12/2018</a:t>
             </a:fld>
             <a:endParaRPr lang="en-US" dirty="0"/>
           </a:p>
@@ -28839,7 +28839,7 @@
             <a:fld id="{B61BEF0D-F0BB-DE4B-95CE-6DB70DBA9567}" type="datetimeFigureOut">
               <a:rPr lang="en-US" smtClean="0"/>
               <a:pPr/>
-              <a:t>3/14/2018</a:t>
+              <a:t>4/12/2018</a:t>
             </a:fld>
             <a:endParaRPr lang="en-US" dirty="0"/>
           </a:p>
@@ -29044,7 +29044,7 @@
             <a:fld id="{B61BEF0D-F0BB-DE4B-95CE-6DB70DBA9567}" type="datetimeFigureOut">
               <a:rPr lang="en-US" smtClean="0"/>
               <a:pPr/>
-              <a:t>3/14/2018</a:t>
+              <a:t>4/12/2018</a:t>
             </a:fld>
             <a:endParaRPr lang="en-US" dirty="0"/>
           </a:p>
@@ -29216,7 +29216,7 @@
             <a:fld id="{B61BEF0D-F0BB-DE4B-95CE-6DB70DBA9567}" type="datetimeFigureOut">
               <a:rPr lang="en-US" smtClean="0"/>
               <a:pPr/>
-              <a:t>3/14/2018</a:t>
+              <a:t>4/12/2018</a:t>
             </a:fld>
             <a:endParaRPr lang="en-US" dirty="0"/>
           </a:p>
@@ -29469,7 +29469,7 @@
             <a:fld id="{B61BEF0D-F0BB-DE4B-95CE-6DB70DBA9567}" type="datetimeFigureOut">
               <a:rPr lang="en-US" smtClean="0"/>
               <a:pPr/>
-              <a:t>3/14/2018</a:t>
+              <a:t>4/12/2018</a:t>
             </a:fld>
             <a:endParaRPr lang="en-US" dirty="0"/>
           </a:p>
@@ -29703,7 +29703,7 @@
             <a:fld id="{B61BEF0D-F0BB-DE4B-95CE-6DB70DBA9567}" type="datetimeFigureOut">
               <a:rPr lang="en-US" smtClean="0"/>
               <a:pPr/>
-              <a:t>3/14/2018</a:t>
+              <a:t>4/12/2018</a:t>
             </a:fld>
             <a:endParaRPr lang="en-US" dirty="0"/>
           </a:p>
@@ -30057,7 +30057,7 @@
             <a:fld id="{B61BEF0D-F0BB-DE4B-95CE-6DB70DBA9567}" type="datetimeFigureOut">
               <a:rPr lang="en-US" smtClean="0"/>
               <a:pPr/>
-              <a:t>3/14/2018</a:t>
+              <a:t>4/12/2018</a:t>
             </a:fld>
             <a:endParaRPr lang="en-US" dirty="0"/>
           </a:p>
@@ -30182,7 +30182,7 @@
             <a:fld id="{B61BEF0D-F0BB-DE4B-95CE-6DB70DBA9567}" type="datetimeFigureOut">
               <a:rPr lang="en-US" smtClean="0"/>
               <a:pPr/>
-              <a:t>3/14/2018</a:t>
+              <a:t>4/12/2018</a:t>
             </a:fld>
             <a:endParaRPr lang="en-US" dirty="0"/>
           </a:p>
@@ -30302,7 +30302,7 @@
             <a:fld id="{B61BEF0D-F0BB-DE4B-95CE-6DB70DBA9567}" type="datetimeFigureOut">
               <a:rPr lang="en-US" smtClean="0"/>
               <a:pPr/>
-              <a:t>3/14/2018</a:t>
+              <a:t>4/12/2018</a:t>
             </a:fld>
             <a:endParaRPr lang="en-US" dirty="0"/>
           </a:p>
@@ -30555,7 +30555,7 @@
             <a:fld id="{B61BEF0D-F0BB-DE4B-95CE-6DB70DBA9567}" type="datetimeFigureOut">
               <a:rPr lang="en-US" smtClean="0"/>
               <a:pPr/>
-              <a:t>3/14/2018</a:t>
+              <a:t>4/12/2018</a:t>
             </a:fld>
             <a:endParaRPr lang="en-US" dirty="0"/>
           </a:p>
@@ -30841,7 +30841,7 @@
             <a:fld id="{B61BEF0D-F0BB-DE4B-95CE-6DB70DBA9567}" type="datetimeFigureOut">
               <a:rPr lang="en-US" smtClean="0"/>
               <a:pPr/>
-              <a:t>3/14/2018</a:t>
+              <a:t>4/12/2018</a:t>
             </a:fld>
             <a:endParaRPr lang="en-US" dirty="0"/>
           </a:p>
@@ -31112,7 +31112,7 @@
             <a:fld id="{B61BEF0D-F0BB-DE4B-95CE-6DB70DBA9567}" type="datetimeFigureOut">
               <a:rPr lang="en-US" smtClean="0"/>
               <a:pPr/>
-              <a:t>3/14/2018</a:t>
+              <a:t>4/12/2018</a:t>
             </a:fld>
             <a:endParaRPr lang="en-US" dirty="0"/>
           </a:p>
@@ -31284,7 +31284,7 @@
             <a:fld id="{B61BEF0D-F0BB-DE4B-95CE-6DB70DBA9567}" type="datetimeFigureOut">
               <a:rPr lang="en-US" smtClean="0"/>
               <a:pPr/>
-              <a:t>3/14/2018</a:t>
+              <a:t>4/12/2018</a:t>
             </a:fld>
             <a:endParaRPr lang="en-US" dirty="0"/>
           </a:p>
@@ -31466,7 +31466,7 @@
             <a:fld id="{B61BEF0D-F0BB-DE4B-95CE-6DB70DBA9567}" type="datetimeFigureOut">
               <a:rPr lang="en-US" smtClean="0"/>
               <a:pPr/>
-              <a:t>3/14/2018</a:t>
+              <a:t>4/12/2018</a:t>
             </a:fld>
             <a:endParaRPr lang="en-US" dirty="0"/>
           </a:p>
@@ -32740,7 +32740,7 @@
             <a:fld id="{B61BEF0D-F0BB-DE4B-95CE-6DB70DBA9567}" type="datetimeFigureOut">
               <a:rPr lang="en-US" smtClean="0"/>
               <a:pPr/>
-              <a:t>3/14/2018</a:t>
+              <a:t>4/12/2018</a:t>
             </a:fld>
             <a:endParaRPr lang="en-US" dirty="0"/>
           </a:p>
@@ -32857,6 +32857,36 @@
           </a:fontRef>
         </p:style>
       </p:sp>
+      <p:pic>
+        <p:nvPicPr>
+          <p:cNvPr id="9" name="Immagine 8">
+            <a:extLst>
+              <a:ext uri="{FF2B5EF4-FFF2-40B4-BE49-F238E27FC236}">
+                <a16:creationId xmlns:a16="http://schemas.microsoft.com/office/drawing/2014/main" id="{E8074BC9-1372-4F43-AF1A-9131E94330AA}"/>
+              </a:ext>
+            </a:extLst>
+          </p:cNvPr>
+          <p:cNvPicPr>
+            <a:picLocks noChangeAspect="1"/>
+          </p:cNvPicPr>
+          <p:nvPr userDrawn="1"/>
+        </p:nvPicPr>
+        <p:blipFill>
+          <a:blip r:embed="rId2"/>
+          <a:stretch>
+            <a:fillRect/>
+          </a:stretch>
+        </p:blipFill>
+        <p:spPr>
+          <a:xfrm>
+            <a:off x="9926860" y="-6236"/>
+            <a:ext cx="2026924" cy="777242"/>
+          </a:xfrm>
+          <a:prstGeom prst="rect">
+            <a:avLst/>
+          </a:prstGeom>
+        </p:spPr>
+      </p:pic>
     </p:spTree>
     <p:extLst>
       <p:ext uri="{BB962C8B-B14F-4D97-AF65-F5344CB8AC3E}">
@@ -32980,7 +33010,7 @@
             <a:fld id="{B61BEF0D-F0BB-DE4B-95CE-6DB70DBA9567}" type="datetimeFigureOut">
               <a:rPr lang="en-US" smtClean="0"/>
               <a:pPr/>
-              <a:t>3/14/2018</a:t>
+              <a:t>4/12/2018</a:t>
             </a:fld>
             <a:endParaRPr lang="en-US" dirty="0"/>
           </a:p>
@@ -33029,6 +33059,36 @@
           </a:p>
         </p:txBody>
       </p:sp>
+      <p:pic>
+        <p:nvPicPr>
+          <p:cNvPr id="7" name="Immagine 6">
+            <a:extLst>
+              <a:ext uri="{FF2B5EF4-FFF2-40B4-BE49-F238E27FC236}">
+                <a16:creationId xmlns:a16="http://schemas.microsoft.com/office/drawing/2014/main" id="{51E6A9C0-6D4A-478D-BCE1-CD4A7EB4F4CE}"/>
+              </a:ext>
+            </a:extLst>
+          </p:cNvPr>
+          <p:cNvPicPr>
+            <a:picLocks noChangeAspect="1"/>
+          </p:cNvPicPr>
+          <p:nvPr userDrawn="1"/>
+        </p:nvPicPr>
+        <p:blipFill>
+          <a:blip r:embed="rId2"/>
+          <a:stretch>
+            <a:fillRect/>
+          </a:stretch>
+        </p:blipFill>
+        <p:spPr>
+          <a:xfrm>
+            <a:off x="9926860" y="-6236"/>
+            <a:ext cx="2026924" cy="777242"/>
+          </a:xfrm>
+          <a:prstGeom prst="rect">
+            <a:avLst/>
+          </a:prstGeom>
+        </p:spPr>
+      </p:pic>
     </p:spTree>
     <p:extLst>
       <p:ext uri="{BB962C8B-B14F-4D97-AF65-F5344CB8AC3E}">
@@ -33255,7 +33315,7 @@
             <a:fld id="{B61BEF0D-F0BB-DE4B-95CE-6DB70DBA9567}" type="datetimeFigureOut">
               <a:rPr lang="en-US" smtClean="0"/>
               <a:pPr/>
-              <a:t>3/14/2018</a:t>
+              <a:t>4/12/2018</a:t>
             </a:fld>
             <a:endParaRPr lang="en-US" dirty="0"/>
           </a:p>
@@ -34458,7 +34518,7 @@
             <a:fld id="{B61BEF0D-F0BB-DE4B-95CE-6DB70DBA9567}" type="datetimeFigureOut">
               <a:rPr lang="en-US" smtClean="0"/>
               <a:pPr/>
-              <a:t>3/14/2018</a:t>
+              <a:t>4/12/2018</a:t>
             </a:fld>
             <a:endParaRPr lang="en-US" dirty="0"/>
           </a:p>
@@ -34850,7 +34910,7 @@
             <a:fld id="{B61BEF0D-F0BB-DE4B-95CE-6DB70DBA9567}" type="datetimeFigureOut">
               <a:rPr lang="en-US" smtClean="0"/>
               <a:pPr/>
-              <a:t>3/14/2018</a:t>
+              <a:t>4/12/2018</a:t>
             </a:fld>
             <a:endParaRPr lang="en-US" dirty="0"/>
           </a:p>
@@ -34975,7 +35035,7 @@
             <a:fld id="{B61BEF0D-F0BB-DE4B-95CE-6DB70DBA9567}" type="datetimeFigureOut">
               <a:rPr lang="en-US" smtClean="0"/>
               <a:pPr/>
-              <a:t>3/14/2018</a:t>
+              <a:t>4/12/2018</a:t>
             </a:fld>
             <a:endParaRPr lang="en-US" dirty="0"/>
           </a:p>
@@ -35209,7 +35269,7 @@
             <a:fld id="{B61BEF0D-F0BB-DE4B-95CE-6DB70DBA9567}" type="datetimeFigureOut">
               <a:rPr lang="en-US" smtClean="0"/>
               <a:pPr/>
-              <a:t>3/14/2018</a:t>
+              <a:t>4/12/2018</a:t>
             </a:fld>
             <a:endParaRPr lang="en-US" dirty="0"/>
           </a:p>
@@ -35306,7 +35366,7 @@
             <a:fld id="{B61BEF0D-F0BB-DE4B-95CE-6DB70DBA9567}" type="datetimeFigureOut">
               <a:rPr lang="en-US" smtClean="0"/>
               <a:pPr/>
-              <a:t>3/14/2018</a:t>
+              <a:t>4/12/2018</a:t>
             </a:fld>
             <a:endParaRPr lang="en-US" dirty="0"/>
           </a:p>
@@ -36071,7 +36131,7 @@
             <a:fld id="{B61BEF0D-F0BB-DE4B-95CE-6DB70DBA9567}" type="datetimeFigureOut">
               <a:rPr lang="en-US" smtClean="0"/>
               <a:pPr/>
-              <a:t>3/14/2018</a:t>
+              <a:t>4/12/2018</a:t>
             </a:fld>
             <a:endParaRPr lang="en-US" dirty="0"/>
           </a:p>
@@ -36913,7 +36973,7 @@
             <a:fld id="{B61BEF0D-F0BB-DE4B-95CE-6DB70DBA9567}" type="datetimeFigureOut">
               <a:rPr lang="en-US" smtClean="0"/>
               <a:pPr/>
-              <a:t>3/14/2018</a:t>
+              <a:t>4/12/2018</a:t>
             </a:fld>
             <a:endParaRPr lang="en-US" dirty="0"/>
           </a:p>
@@ -37095,7 +37155,7 @@
             <a:fld id="{B61BEF0D-F0BB-DE4B-95CE-6DB70DBA9567}" type="datetimeFigureOut">
               <a:rPr lang="en-US" smtClean="0"/>
               <a:pPr/>
-              <a:t>3/14/2018</a:t>
+              <a:t>4/12/2018</a:t>
             </a:fld>
             <a:endParaRPr lang="en-US" dirty="0"/>
           </a:p>
@@ -37277,7 +37337,7 @@
             <a:fld id="{B61BEF0D-F0BB-DE4B-95CE-6DB70DBA9567}" type="datetimeFigureOut">
               <a:rPr lang="en-US" smtClean="0"/>
               <a:pPr/>
-              <a:t>3/14/2018</a:t>
+              <a:t>4/12/2018</a:t>
             </a:fld>
             <a:endParaRPr lang="en-US" dirty="0"/>
           </a:p>
@@ -37626,7 +37686,7 @@
             <a:fld id="{B61BEF0D-F0BB-DE4B-95CE-6DB70DBA9567}" type="datetimeFigureOut">
               <a:rPr lang="en-US" smtClean="0"/>
               <a:pPr/>
-              <a:t>3/14/2018</a:t>
+              <a:t>4/12/2018</a:t>
             </a:fld>
             <a:endParaRPr lang="en-US" dirty="0"/>
           </a:p>
@@ -37746,7 +37806,7 @@
             <a:fld id="{B61BEF0D-F0BB-DE4B-95CE-6DB70DBA9567}" type="datetimeFigureOut">
               <a:rPr lang="en-US" smtClean="0"/>
               <a:pPr/>
-              <a:t>3/14/2018</a:t>
+              <a:t>4/12/2018</a:t>
             </a:fld>
             <a:endParaRPr lang="en-US" dirty="0"/>
           </a:p>
@@ -37866,7 +37926,7 @@
             <a:fld id="{B61BEF0D-F0BB-DE4B-95CE-6DB70DBA9567}" type="datetimeFigureOut">
               <a:rPr lang="en-US" smtClean="0"/>
               <a:pPr/>
-              <a:t>3/14/2018</a:t>
+              <a:t>4/12/2018</a:t>
             </a:fld>
             <a:endParaRPr lang="en-US" dirty="0"/>
           </a:p>
@@ -38152,7 +38212,7 @@
             <a:fld id="{B61BEF0D-F0BB-DE4B-95CE-6DB70DBA9567}" type="datetimeFigureOut">
               <a:rPr lang="en-US" smtClean="0"/>
               <a:pPr/>
-              <a:t>3/14/2018</a:t>
+              <a:t>4/12/2018</a:t>
             </a:fld>
             <a:endParaRPr lang="en-US" dirty="0"/>
           </a:p>
@@ -38418,7 +38478,7 @@
             <a:fld id="{B61BEF0D-F0BB-DE4B-95CE-6DB70DBA9567}" type="datetimeFigureOut">
               <a:rPr lang="en-US" smtClean="0"/>
               <a:pPr/>
-              <a:t>3/14/2018</a:t>
+              <a:t>4/12/2018</a:t>
             </a:fld>
             <a:endParaRPr lang="en-US" dirty="0"/>
           </a:p>
@@ -38634,7 +38694,7 @@
             <a:fld id="{B61BEF0D-F0BB-DE4B-95CE-6DB70DBA9567}" type="datetimeFigureOut">
               <a:rPr lang="en-US" smtClean="0"/>
               <a:pPr/>
-              <a:t>3/14/2018</a:t>
+              <a:t>4/12/2018</a:t>
             </a:fld>
             <a:endParaRPr lang="en-US" dirty="0"/>
           </a:p>
@@ -39166,7 +39226,7 @@
             <a:fld id="{B61BEF0D-F0BB-DE4B-95CE-6DB70DBA9567}" type="datetimeFigureOut">
               <a:rPr lang="en-US" smtClean="0"/>
               <a:pPr/>
-              <a:t>3/14/2018</a:t>
+              <a:t>4/12/2018</a:t>
             </a:fld>
             <a:endParaRPr lang="en-US" dirty="0"/>
           </a:p>
@@ -39703,7 +39763,7 @@
             <a:fld id="{B61BEF0D-F0BB-DE4B-95CE-6DB70DBA9567}" type="datetimeFigureOut">
               <a:rPr lang="en-US" smtClean="0"/>
               <a:pPr/>
-              <a:t>3/14/2018</a:t>
+              <a:t>4/12/2018</a:t>
             </a:fld>
             <a:endParaRPr lang="en-US" dirty="0"/>
           </a:p>
@@ -40243,7 +40303,7 @@
             <a:fld id="{B61BEF0D-F0BB-DE4B-95CE-6DB70DBA9567}" type="datetimeFigureOut">
               <a:rPr lang="en-US" smtClean="0"/>
               <a:pPr/>
-              <a:t>3/14/2018</a:t>
+              <a:t>4/12/2018</a:t>
             </a:fld>
             <a:endParaRPr lang="en-US" dirty="0"/>
           </a:p>
@@ -41823,6 +41883,60 @@
           </a:p>
         </p:txBody>
       </p:sp>
+      <p:sp>
+        <p:nvSpPr>
+          <p:cNvPr id="2" name="Ovale 1">
+            <a:extLst>
+              <a:ext uri="{FF2B5EF4-FFF2-40B4-BE49-F238E27FC236}">
+                <a16:creationId xmlns:a16="http://schemas.microsoft.com/office/drawing/2014/main" id="{70951F1D-68E8-493A-BA16-77AFBD7879E7}"/>
+              </a:ext>
+            </a:extLst>
+          </p:cNvPr>
+          <p:cNvSpPr/>
+          <p:nvPr/>
+        </p:nvSpPr>
+        <p:spPr>
+          <a:xfrm>
+            <a:off x="8455633" y="2537718"/>
+            <a:ext cx="1172850" cy="1104422"/>
+          </a:xfrm>
+          <a:prstGeom prst="ellipse">
+            <a:avLst/>
+          </a:prstGeom>
+          <a:noFill/>
+          <a:ln w="41275" cap="flat" cmpd="sng" algn="ctr">
+            <a:solidFill>
+              <a:srgbClr val="00B0F0"/>
+            </a:solidFill>
+            <a:prstDash val="solid"/>
+            <a:round/>
+            <a:headEnd type="none" w="med" len="med"/>
+            <a:tailEnd type="none" w="med" len="med"/>
+          </a:ln>
+        </p:spPr>
+        <p:style>
+          <a:lnRef idx="0">
+            <a:scrgbClr r="0" g="0" b="0"/>
+          </a:lnRef>
+          <a:fillRef idx="0">
+            <a:scrgbClr r="0" g="0" b="0"/>
+          </a:fillRef>
+          <a:effectRef idx="0">
+            <a:scrgbClr r="0" g="0" b="0"/>
+          </a:effectRef>
+          <a:fontRef idx="minor">
+            <a:schemeClr val="accent4"/>
+          </a:fontRef>
+        </p:style>
+        <p:txBody>
+          <a:bodyPr rtlCol="0" anchor="ctr"/>
+          <a:lstStyle/>
+          <a:p>
+            <a:pPr algn="ctr"/>
+            <a:endParaRPr lang="it-IT"/>
+          </a:p>
+        </p:txBody>
+      </p:sp>
     </p:spTree>
     <p:extLst>
       <p:ext uri="{BB962C8B-B14F-4D97-AF65-F5344CB8AC3E}">
@@ -42816,23 +42930,30 @@
           <p:nvPr/>
         </p:nvSpPr>
         <p:spPr>
-          <a:xfrm rot="900000">
-            <a:off x="10594073" y="56119"/>
-            <a:ext cx="1481541" cy="1481541"/>
+          <a:xfrm rot="21089863">
+            <a:off x="303088" y="5222177"/>
+            <a:ext cx="1587348" cy="1587346"/>
           </a:xfrm>
           <a:prstGeom prst="star10">
             <a:avLst/>
           </a:prstGeom>
+          <a:effectLst>
+            <a:outerShdw blurRad="50800" dist="38100" dir="5400000" algn="t" rotWithShape="0">
+              <a:prstClr val="black">
+                <a:alpha val="40000"/>
+              </a:prstClr>
+            </a:outerShdw>
+          </a:effectLst>
         </p:spPr>
         <p:style>
           <a:lnRef idx="3">
             <a:schemeClr val="lt1"/>
           </a:lnRef>
           <a:fillRef idx="1">
-            <a:schemeClr val="accent2"/>
+            <a:schemeClr val="accent1"/>
           </a:fillRef>
           <a:effectRef idx="1">
-            <a:schemeClr val="accent2"/>
+            <a:schemeClr val="accent1"/>
           </a:effectRef>
           <a:fontRef idx="minor">
             <a:schemeClr val="lt1"/>
@@ -42844,7 +42965,22 @@
           <a:p>
             <a:pPr algn="ctr"/>
             <a:r>
-              <a:rPr lang="it-IT" dirty="0"/>
+              <a:rPr lang="it-IT" b="1" dirty="0">
+                <a:ln w="6600">
+                  <a:solidFill>
+                    <a:schemeClr val="accent2"/>
+                  </a:solidFill>
+                  <a:prstDash val="solid"/>
+                </a:ln>
+                <a:solidFill>
+                  <a:srgbClr val="FFFFFF"/>
+                </a:solidFill>
+                <a:effectLst>
+                  <a:outerShdw dist="38100" dir="2700000" algn="tl" rotWithShape="0">
+                    <a:schemeClr val="accent2"/>
+                  </a:outerShdw>
+                </a:effectLst>
+              </a:rPr>
               <a:t>A TRUE STORY</a:t>
             </a:r>
           </a:p>
@@ -42950,6 +43086,35 @@
           </a:prstGeom>
         </p:spPr>
       </p:pic>
+      <p:pic>
+        <p:nvPicPr>
+          <p:cNvPr id="7" name="Segnaposto contenuto 4">
+            <a:extLst>
+              <a:ext uri="{FF2B5EF4-FFF2-40B4-BE49-F238E27FC236}">
+                <a16:creationId xmlns:a16="http://schemas.microsoft.com/office/drawing/2014/main" id="{0D85890B-F49B-4FC4-982A-E5077D2B141E}"/>
+              </a:ext>
+            </a:extLst>
+          </p:cNvPr>
+          <p:cNvPicPr>
+            <a:picLocks noGrp="1" noChangeAspect="1"/>
+          </p:cNvPicPr>
+          <p:nvPr>
+            <p:ph idx="1"/>
+          </p:nvPr>
+        </p:nvPicPr>
+        <p:blipFill>
+          <a:blip r:embed="rId9"/>
+          <a:stretch>
+            <a:fillRect/>
+          </a:stretch>
+        </p:blipFill>
+        <p:spPr>
+          <a:xfrm>
+            <a:off x="5392737" y="3716337"/>
+            <a:ext cx="1895475" cy="733425"/>
+          </a:xfrm>
+        </p:spPr>
+      </p:pic>
     </p:spTree>
     <p:extLst>
       <p:ext uri="{BB962C8B-B14F-4D97-AF65-F5344CB8AC3E}">
@@ -42960,6 +43125,136 @@
   <p:clrMapOvr>
     <a:masterClrMapping/>
   </p:clrMapOvr>
+  <p:timing>
+    <p:tnLst>
+      <p:par>
+        <p:cTn id="1" dur="indefinite" restart="never" nodeType="tmRoot">
+          <p:childTnLst>
+            <p:seq concurrent="1" nextAc="seek">
+              <p:cTn id="2" dur="indefinite" nodeType="mainSeq">
+                <p:childTnLst>
+                  <p:par>
+                    <p:cTn id="3" fill="hold">
+                      <p:stCondLst>
+                        <p:cond delay="indefinite"/>
+                        <p:cond evt="onBegin" delay="0">
+                          <p:tn val="2"/>
+                        </p:cond>
+                      </p:stCondLst>
+                      <p:childTnLst>
+                        <p:par>
+                          <p:cTn id="4" fill="hold">
+                            <p:stCondLst>
+                              <p:cond delay="0"/>
+                            </p:stCondLst>
+                            <p:childTnLst>
+                              <p:par>
+                                <p:cTn id="5" presetID="10" presetClass="entr" presetSubtype="0" fill="hold" nodeType="afterEffect">
+                                  <p:stCondLst>
+                                    <p:cond delay="0"/>
+                                  </p:stCondLst>
+                                  <p:childTnLst>
+                                    <p:set>
+                                      <p:cBhvr>
+                                        <p:cTn id="6" dur="1" fill="hold">
+                                          <p:stCondLst>
+                                            <p:cond delay="0"/>
+                                          </p:stCondLst>
+                                        </p:cTn>
+                                        <p:tgtEl>
+                                          <p:spTgt spid="12"/>
+                                        </p:tgtEl>
+                                        <p:attrNameLst>
+                                          <p:attrName>style.visibility</p:attrName>
+                                        </p:attrNameLst>
+                                      </p:cBhvr>
+                                      <p:to>
+                                        <p:strVal val="visible"/>
+                                      </p:to>
+                                    </p:set>
+                                    <p:animEffect transition="in" filter="fade">
+                                      <p:cBhvr>
+                                        <p:cTn id="7" dur="500"/>
+                                        <p:tgtEl>
+                                          <p:spTgt spid="12"/>
+                                        </p:tgtEl>
+                                      </p:cBhvr>
+                                    </p:animEffect>
+                                  </p:childTnLst>
+                                </p:cTn>
+                              </p:par>
+                            </p:childTnLst>
+                          </p:cTn>
+                        </p:par>
+                        <p:par>
+                          <p:cTn id="8" fill="hold">
+                            <p:stCondLst>
+                              <p:cond delay="500"/>
+                            </p:stCondLst>
+                            <p:childTnLst>
+                              <p:par>
+                                <p:cTn id="9" presetID="10" presetClass="entr" presetSubtype="0" fill="hold" nodeType="afterEffect">
+                                  <p:stCondLst>
+                                    <p:cond delay="0"/>
+                                  </p:stCondLst>
+                                  <p:childTnLst>
+                                    <p:set>
+                                      <p:cBhvr>
+                                        <p:cTn id="10" dur="1" fill="hold">
+                                          <p:stCondLst>
+                                            <p:cond delay="0"/>
+                                          </p:stCondLst>
+                                        </p:cTn>
+                                        <p:tgtEl>
+                                          <p:spTgt spid="13"/>
+                                        </p:tgtEl>
+                                        <p:attrNameLst>
+                                          <p:attrName>style.visibility</p:attrName>
+                                        </p:attrNameLst>
+                                      </p:cBhvr>
+                                      <p:to>
+                                        <p:strVal val="visible"/>
+                                      </p:to>
+                                    </p:set>
+                                    <p:animEffect transition="in" filter="fade">
+                                      <p:cBhvr>
+                                        <p:cTn id="11" dur="500"/>
+                                        <p:tgtEl>
+                                          <p:spTgt spid="13"/>
+                                        </p:tgtEl>
+                                      </p:cBhvr>
+                                    </p:animEffect>
+                                  </p:childTnLst>
+                                </p:cTn>
+                              </p:par>
+                            </p:childTnLst>
+                          </p:cTn>
+                        </p:par>
+                      </p:childTnLst>
+                    </p:cTn>
+                  </p:par>
+                </p:childTnLst>
+              </p:cTn>
+              <p:prevCondLst>
+                <p:cond evt="onPrev" delay="0">
+                  <p:tgtEl>
+                    <p:sldTgt/>
+                  </p:tgtEl>
+                </p:cond>
+              </p:prevCondLst>
+              <p:nextCondLst>
+                <p:cond evt="onNext" delay="0">
+                  <p:tgtEl>
+                    <p:sldTgt/>
+                  </p:tgtEl>
+                </p:cond>
+              </p:nextCondLst>
+            </p:seq>
+          </p:childTnLst>
+        </p:cTn>
+      </p:par>
+    </p:tnLst>
+  </p:timing>
 </p:sld>
 </file>
 
@@ -44159,53 +44454,6 @@
           </a:p>
         </p:txBody>
       </p:sp>
-      <p:sp>
-        <p:nvSpPr>
-          <p:cNvPr id="4" name="Stella a 10 punte 3">
-            <a:extLst>
-              <a:ext uri="{FF2B5EF4-FFF2-40B4-BE49-F238E27FC236}">
-                <a16:creationId xmlns:a16="http://schemas.microsoft.com/office/drawing/2014/main" id="{FA17C962-8ABB-48A3-99ED-F3BF85073F0E}"/>
-              </a:ext>
-            </a:extLst>
-          </p:cNvPr>
-          <p:cNvSpPr/>
-          <p:nvPr/>
-        </p:nvSpPr>
-        <p:spPr>
-          <a:xfrm rot="900000">
-            <a:off x="10594073" y="56119"/>
-            <a:ext cx="1481541" cy="1481541"/>
-          </a:xfrm>
-          <a:prstGeom prst="star10">
-            <a:avLst/>
-          </a:prstGeom>
-        </p:spPr>
-        <p:style>
-          <a:lnRef idx="3">
-            <a:schemeClr val="lt1"/>
-          </a:lnRef>
-          <a:fillRef idx="1">
-            <a:schemeClr val="accent2"/>
-          </a:fillRef>
-          <a:effectRef idx="1">
-            <a:schemeClr val="accent2"/>
-          </a:effectRef>
-          <a:fontRef idx="minor">
-            <a:schemeClr val="lt1"/>
-          </a:fontRef>
-        </p:style>
-        <p:txBody>
-          <a:bodyPr rtlCol="0" anchor="ctr"/>
-          <a:lstStyle/>
-          <a:p>
-            <a:pPr algn="ctr"/>
-            <a:r>
-              <a:rPr lang="it-IT" dirty="0"/>
-              <a:t>A TRUE STORY</a:t>
-            </a:r>
-          </a:p>
-        </p:txBody>
-      </p:sp>
       <p:graphicFrame>
         <p:nvGraphicFramePr>
           <p:cNvPr id="11" name="Diagramma 10">
@@ -44263,6 +44511,111 @@
         <p:spPr>
           <a:xfrm>
             <a:off x="7278136" y="3937519"/>
+            <a:ext cx="500078" cy="500078"/>
+          </a:xfrm>
+          <a:prstGeom prst="rect">
+            <a:avLst/>
+          </a:prstGeom>
+        </p:spPr>
+      </p:pic>
+      <p:sp>
+        <p:nvSpPr>
+          <p:cNvPr id="8" name="Stella a 10 punte 7">
+            <a:extLst>
+              <a:ext uri="{FF2B5EF4-FFF2-40B4-BE49-F238E27FC236}">
+                <a16:creationId xmlns:a16="http://schemas.microsoft.com/office/drawing/2014/main" id="{394E9EF8-1120-434D-849D-4A63AC28DFBB}"/>
+              </a:ext>
+            </a:extLst>
+          </p:cNvPr>
+          <p:cNvSpPr/>
+          <p:nvPr/>
+        </p:nvSpPr>
+        <p:spPr>
+          <a:xfrm rot="21089863">
+            <a:off x="303088" y="5222177"/>
+            <a:ext cx="1587348" cy="1587346"/>
+          </a:xfrm>
+          <a:prstGeom prst="star10">
+            <a:avLst/>
+          </a:prstGeom>
+          <a:effectLst>
+            <a:outerShdw blurRad="50800" dist="38100" dir="5400000" algn="t" rotWithShape="0">
+              <a:prstClr val="black">
+                <a:alpha val="40000"/>
+              </a:prstClr>
+            </a:outerShdw>
+          </a:effectLst>
+        </p:spPr>
+        <p:style>
+          <a:lnRef idx="3">
+            <a:schemeClr val="lt1"/>
+          </a:lnRef>
+          <a:fillRef idx="1">
+            <a:schemeClr val="accent1"/>
+          </a:fillRef>
+          <a:effectRef idx="1">
+            <a:schemeClr val="accent1"/>
+          </a:effectRef>
+          <a:fontRef idx="minor">
+            <a:schemeClr val="lt1"/>
+          </a:fontRef>
+        </p:style>
+        <p:txBody>
+          <a:bodyPr rtlCol="0" anchor="ctr"/>
+          <a:lstStyle/>
+          <a:p>
+            <a:pPr algn="ctr"/>
+            <a:r>
+              <a:rPr lang="it-IT" b="1" dirty="0">
+                <a:ln w="6600">
+                  <a:solidFill>
+                    <a:schemeClr val="accent2"/>
+                  </a:solidFill>
+                  <a:prstDash val="solid"/>
+                </a:ln>
+                <a:solidFill>
+                  <a:srgbClr val="FFFFFF"/>
+                </a:solidFill>
+                <a:effectLst>
+                  <a:outerShdw dist="38100" dir="2700000" algn="tl" rotWithShape="0">
+                    <a:schemeClr val="accent2"/>
+                  </a:outerShdw>
+                </a:effectLst>
+              </a:rPr>
+              <a:t>A TRUE STORY</a:t>
+            </a:r>
+          </a:p>
+        </p:txBody>
+      </p:sp>
+      <p:pic>
+        <p:nvPicPr>
+          <p:cNvPr id="9" name="Immagine 8">
+            <a:extLst>
+              <a:ext uri="{FF2B5EF4-FFF2-40B4-BE49-F238E27FC236}">
+                <a16:creationId xmlns:a16="http://schemas.microsoft.com/office/drawing/2014/main" id="{3C2D9B34-064C-43E6-82DD-811C26D77C19}"/>
+              </a:ext>
+            </a:extLst>
+          </p:cNvPr>
+          <p:cNvPicPr>
+            <a:picLocks noChangeAspect="1"/>
+          </p:cNvPicPr>
+          <p:nvPr/>
+        </p:nvPicPr>
+        <p:blipFill>
+          <a:blip r:embed="rId7">
+            <a:extLst>
+              <a:ext uri="{837473B0-CC2E-450A-ABE3-18F120FF3D39}">
+                <a1611:picAttrSrcUrl xmlns:a1611="http://schemas.microsoft.com/office/drawing/2016/11/main" r:id="rId8"/>
+              </a:ext>
+            </a:extLst>
+          </a:blip>
+          <a:stretch>
+            <a:fillRect/>
+          </a:stretch>
+        </p:blipFill>
+        <p:spPr>
+          <a:xfrm>
+            <a:off x="6223112" y="5389685"/>
             <a:ext cx="500078" cy="500078"/>
           </a:xfrm>
           <a:prstGeom prst="rect">
@@ -44369,6 +44722,9 @@
           <a:p>
             <a:r>
               <a:rPr lang="it-IT" sz="3600" b="1" dirty="0" err="1">
+                <a:solidFill>
+                  <a:srgbClr val="00B0F0"/>
+                </a:solidFill>
                 <a:effectLst>
                   <a:outerShdw blurRad="50800" dist="38100" dir="5400000" algn="t" rotWithShape="0">
                     <a:prstClr val="black">
@@ -44382,6 +44738,9 @@
               <a:t>multiplatform</a:t>
             </a:r>
             <a:endParaRPr lang="it-IT" dirty="0">
+              <a:solidFill>
+                <a:srgbClr val="00B0F0"/>
+              </a:solidFill>
               <a:effectLst>
                 <a:outerShdw blurRad="50800" dist="38100" dir="5400000" algn="t" rotWithShape="0">
                   <a:prstClr val="black">
@@ -44424,6 +44783,9 @@
           <a:p>
             <a:r>
               <a:rPr lang="it-IT" sz="3600" b="1" dirty="0">
+                <a:solidFill>
+                  <a:srgbClr val="00B050"/>
+                </a:solidFill>
                 <a:effectLst>
                   <a:outerShdw blurRad="50800" dist="38100" dir="5400000" algn="t" rotWithShape="0">
                     <a:prstClr val="black">
@@ -44438,6 +44800,9 @@
             </a:r>
             <a:r>
               <a:rPr lang="it-IT" sz="3600" b="1" dirty="0" err="1">
+                <a:solidFill>
+                  <a:srgbClr val="00B050"/>
+                </a:solidFill>
                 <a:effectLst>
                   <a:outerShdw blurRad="50800" dist="38100" dir="5400000" algn="t" rotWithShape="0">
                     <a:prstClr val="black">
@@ -44452,6 +44817,9 @@
             </a:r>
             <a:r>
               <a:rPr lang="it-IT" sz="3600" b="1" dirty="0">
+                <a:solidFill>
+                  <a:srgbClr val="00B050"/>
+                </a:solidFill>
                 <a:effectLst>
                   <a:outerShdw blurRad="50800" dist="38100" dir="5400000" algn="t" rotWithShape="0">
                     <a:prstClr val="black">
@@ -44466,6 +44834,9 @@
             </a:r>
             <a:r>
               <a:rPr lang="it-IT" sz="3600" b="1" dirty="0" err="1">
+                <a:solidFill>
+                  <a:srgbClr val="00B050"/>
+                </a:solidFill>
                 <a:effectLst>
                   <a:outerShdw blurRad="50800" dist="38100" dir="5400000" algn="t" rotWithShape="0">
                     <a:prstClr val="black">
@@ -44480,6 +44851,9 @@
             </a:r>
             <a:r>
               <a:rPr lang="it-IT" sz="3600" b="1" dirty="0">
+                <a:solidFill>
+                  <a:srgbClr val="00B050"/>
+                </a:solidFill>
                 <a:effectLst>
                   <a:outerShdw blurRad="50800" dist="38100" dir="5400000" algn="t" rotWithShape="0">
                     <a:prstClr val="black">
@@ -44494,6 +44868,9 @@
             </a:r>
             <a:r>
               <a:rPr lang="it-IT" sz="3600" b="1" dirty="0" err="1">
+                <a:solidFill>
+                  <a:srgbClr val="00B050"/>
+                </a:solidFill>
                 <a:effectLst>
                   <a:outerShdw blurRad="50800" dist="38100" dir="5400000" algn="t" rotWithShape="0">
                     <a:prstClr val="black">
@@ -44508,6 +44885,9 @@
             </a:r>
             <a:r>
               <a:rPr lang="it-IT" sz="3600" b="1" dirty="0">
+                <a:solidFill>
+                  <a:srgbClr val="00B050"/>
+                </a:solidFill>
                 <a:effectLst>
                   <a:outerShdw blurRad="50800" dist="38100" dir="5400000" algn="t" rotWithShape="0">
                     <a:prstClr val="black">
@@ -44521,6 +44901,9 @@
               <a:t>)</a:t>
             </a:r>
             <a:endParaRPr lang="it-IT" dirty="0">
+              <a:solidFill>
+                <a:srgbClr val="00B050"/>
+              </a:solidFill>
               <a:effectLst>
                 <a:outerShdw blurRad="50800" dist="38100" dir="5400000" algn="t" rotWithShape="0">
                   <a:prstClr val="black">
@@ -44563,6 +44946,9 @@
           <a:p>
             <a:r>
               <a:rPr lang="it-IT" sz="3600" b="1" dirty="0">
+                <a:solidFill>
+                  <a:srgbClr val="0070C0"/>
+                </a:solidFill>
                 <a:effectLst>
                   <a:outerShdw blurRad="50800" dist="38100" dir="5400000" algn="t" rotWithShape="0">
                     <a:prstClr val="black">
@@ -44577,6 +44963,9 @@
             </a:r>
             <a:r>
               <a:rPr lang="it-IT" sz="3600" b="1" dirty="0" err="1">
+                <a:solidFill>
+                  <a:srgbClr val="0070C0"/>
+                </a:solidFill>
                 <a:effectLst>
                   <a:outerShdw blurRad="50800" dist="38100" dir="5400000" algn="t" rotWithShape="0">
                     <a:prstClr val="black">
@@ -44591,6 +44980,9 @@
             </a:r>
             <a:r>
               <a:rPr lang="it-IT" sz="3600" b="1" dirty="0">
+                <a:solidFill>
+                  <a:srgbClr val="0070C0"/>
+                </a:solidFill>
                 <a:effectLst>
                   <a:outerShdw blurRad="50800" dist="38100" dir="5400000" algn="t" rotWithShape="0">
                     <a:prstClr val="black">
@@ -44604,6 +44996,9 @@
               <a:t>)</a:t>
             </a:r>
             <a:endParaRPr lang="it-IT" dirty="0">
+              <a:solidFill>
+                <a:srgbClr val="0070C0"/>
+              </a:solidFill>
               <a:effectLst>
                 <a:outerShdw blurRad="50800" dist="38100" dir="5400000" algn="t" rotWithShape="0">
                   <a:prstClr val="black">
@@ -44646,6 +45041,12 @@
           <a:p>
             <a:r>
               <a:rPr lang="it-IT" sz="3600" b="1" dirty="0">
+                <a:solidFill>
+                  <a:schemeClr val="tx2">
+                    <a:lumMod val="50000"/>
+                    <a:lumOff val="50000"/>
+                  </a:schemeClr>
+                </a:solidFill>
                 <a:effectLst>
                   <a:outerShdw blurRad="50800" dist="38100" dir="5400000" algn="t" rotWithShape="0">
                     <a:prstClr val="black">
@@ -44659,6 +45060,12 @@
               <a:t>API</a:t>
             </a:r>
             <a:endParaRPr lang="it-IT" dirty="0">
+              <a:solidFill>
+                <a:schemeClr val="tx2">
+                  <a:lumMod val="50000"/>
+                  <a:lumOff val="50000"/>
+                </a:schemeClr>
+              </a:solidFill>
               <a:effectLst>
                 <a:outerShdw blurRad="50800" dist="38100" dir="5400000" algn="t" rotWithShape="0">
                   <a:prstClr val="black">
@@ -44701,6 +45108,9 @@
           <a:p>
             <a:r>
               <a:rPr lang="it-IT" sz="3600" b="1" dirty="0">
+                <a:solidFill>
+                  <a:srgbClr val="FFC000"/>
+                </a:solidFill>
                 <a:effectLst>
                   <a:outerShdw blurRad="50800" dist="38100" dir="5400000" algn="t" rotWithShape="0">
                     <a:prstClr val="black">
@@ -44714,6 +45124,9 @@
               <a:t>CLI</a:t>
             </a:r>
             <a:endParaRPr lang="it-IT" dirty="0">
+              <a:solidFill>
+                <a:srgbClr val="FFC000"/>
+              </a:solidFill>
               <a:effectLst>
                 <a:outerShdw blurRad="50800" dist="38100" dir="5400000" algn="t" rotWithShape="0">
                   <a:prstClr val="black">
@@ -44756,6 +45169,12 @@
           <a:p>
             <a:r>
               <a:rPr lang="it-IT" sz="3600" b="1" dirty="0" err="1">
+                <a:solidFill>
+                  <a:schemeClr val="tx1">
+                    <a:lumMod val="65000"/>
+                    <a:lumOff val="35000"/>
+                  </a:schemeClr>
+                </a:solidFill>
                 <a:effectLst>
                   <a:outerShdw blurRad="50800" dist="38100" dir="5400000" algn="t" rotWithShape="0">
                     <a:prstClr val="black">
@@ -44770,6 +45189,12 @@
             </a:r>
             <a:r>
               <a:rPr lang="it-IT" sz="3600" b="1" dirty="0">
+                <a:solidFill>
+                  <a:schemeClr val="tx1">
+                    <a:lumMod val="65000"/>
+                    <a:lumOff val="35000"/>
+                  </a:schemeClr>
+                </a:solidFill>
                 <a:effectLst>
                   <a:outerShdw blurRad="50800" dist="38100" dir="5400000" algn="t" rotWithShape="0">
                     <a:prstClr val="black">
@@ -44784,6 +45209,12 @@
             </a:r>
             <a:r>
               <a:rPr lang="it-IT" sz="3600" b="1" dirty="0" err="1">
+                <a:solidFill>
+                  <a:schemeClr val="tx1">
+                    <a:lumMod val="65000"/>
+                    <a:lumOff val="35000"/>
+                  </a:schemeClr>
+                </a:solidFill>
                 <a:effectLst>
                   <a:outerShdw blurRad="50800" dist="38100" dir="5400000" algn="t" rotWithShape="0">
                     <a:prstClr val="black">
@@ -44797,6 +45228,12 @@
               <a:t>referencing</a:t>
             </a:r>
             <a:endParaRPr lang="it-IT" dirty="0">
+              <a:solidFill>
+                <a:schemeClr val="tx1">
+                  <a:lumMod val="65000"/>
+                  <a:lumOff val="35000"/>
+                </a:schemeClr>
+              </a:solidFill>
               <a:effectLst>
                 <a:outerShdw blurRad="50800" dist="38100" dir="5400000" algn="t" rotWithShape="0">
                   <a:prstClr val="black">
@@ -44839,6 +45276,9 @@
           <a:p>
             <a:r>
               <a:rPr lang="it-IT" sz="3600" b="1" dirty="0" err="1">
+                <a:solidFill>
+                  <a:schemeClr val="accent6"/>
+                </a:solidFill>
                 <a:effectLst>
                   <a:outerShdw blurRad="50800" dist="38100" dir="5400000" algn="t" rotWithShape="0">
                     <a:prstClr val="black">
@@ -44852,6 +45292,9 @@
               <a:t>glossary</a:t>
             </a:r>
             <a:endParaRPr lang="it-IT" dirty="0">
+              <a:solidFill>
+                <a:schemeClr val="accent6"/>
+              </a:solidFill>
               <a:effectLst>
                 <a:outerShdw blurRad="50800" dist="38100" dir="5400000" algn="t" rotWithShape="0">
                   <a:prstClr val="black">
@@ -44894,6 +45337,9 @@
           <a:p>
             <a:r>
               <a:rPr lang="it-IT" sz="3600" b="1" dirty="0" err="1">
+                <a:solidFill>
+                  <a:srgbClr val="FF0000"/>
+                </a:solidFill>
                 <a:effectLst>
                   <a:outerShdw blurRad="50800" dist="38100" dir="5400000" algn="t" rotWithShape="0">
                     <a:prstClr val="black">
@@ -44908,6 +45354,9 @@
             </a:r>
             <a:r>
               <a:rPr lang="it-IT" sz="3600" b="1" dirty="0">
+                <a:solidFill>
+                  <a:srgbClr val="FF0000"/>
+                </a:solidFill>
                 <a:effectLst>
                   <a:outerShdw blurRad="50800" dist="38100" dir="5400000" algn="t" rotWithShape="0">
                     <a:prstClr val="black">
@@ -44921,6 +45370,9 @@
               <a:t> snapshots</a:t>
             </a:r>
             <a:endParaRPr lang="it-IT" dirty="0">
+              <a:solidFill>
+                <a:srgbClr val="FF0000"/>
+              </a:solidFill>
               <a:effectLst>
                 <a:outerShdw blurRad="50800" dist="38100" dir="5400000" algn="t" rotWithShape="0">
                   <a:prstClr val="black">
@@ -44963,6 +45415,11 @@
           <a:p>
             <a:r>
               <a:rPr lang="it-IT" sz="3600" b="1" dirty="0" err="1">
+                <a:solidFill>
+                  <a:schemeClr val="accent4">
+                    <a:lumMod val="75000"/>
+                  </a:schemeClr>
+                </a:solidFill>
                 <a:effectLst>
                   <a:outerShdw blurRad="50800" dist="38100" dir="5400000" algn="t" rotWithShape="0">
                     <a:prstClr val="black">
@@ -44976,6 +45433,11 @@
               <a:t>upvoting</a:t>
             </a:r>
             <a:endParaRPr lang="it-IT" dirty="0">
+              <a:solidFill>
+                <a:schemeClr val="accent4">
+                  <a:lumMod val="75000"/>
+                </a:schemeClr>
+              </a:solidFill>
               <a:effectLst>
                 <a:outerShdw blurRad="50800" dist="38100" dir="5400000" algn="t" rotWithShape="0">
                   <a:prstClr val="black">
@@ -45018,6 +45480,12 @@
           <a:p>
             <a:r>
               <a:rPr lang="it-IT" sz="3600" b="1" dirty="0" err="1">
+                <a:solidFill>
+                  <a:schemeClr val="accent2">
+                    <a:lumMod val="60000"/>
+                    <a:lumOff val="40000"/>
+                  </a:schemeClr>
+                </a:solidFill>
                 <a:effectLst>
                   <a:outerShdw blurRad="50800" dist="38100" dir="5400000" algn="t" rotWithShape="0">
                     <a:prstClr val="black">
@@ -45031,6 +45499,12 @@
               <a:t>plurals</a:t>
             </a:r>
             <a:endParaRPr lang="it-IT" dirty="0">
+              <a:solidFill>
+                <a:schemeClr val="accent2">
+                  <a:lumMod val="60000"/>
+                  <a:lumOff val="40000"/>
+                </a:schemeClr>
+              </a:solidFill>
               <a:effectLst>
                 <a:outerShdw blurRad="50800" dist="38100" dir="5400000" algn="t" rotWithShape="0">
                   <a:prstClr val="black">
@@ -45073,6 +45547,11 @@
           <a:p>
             <a:r>
               <a:rPr lang="it-IT" sz="3600" b="1" dirty="0" err="1">
+                <a:solidFill>
+                  <a:schemeClr val="accent4">
+                    <a:lumMod val="75000"/>
+                  </a:schemeClr>
+                </a:solidFill>
                 <a:effectLst>
                   <a:outerShdw blurRad="50800" dist="38100" dir="5400000" algn="t" rotWithShape="0">
                     <a:prstClr val="black">
@@ -45087,6 +45566,11 @@
             </a:r>
             <a:r>
               <a:rPr lang="it-IT" sz="3600" b="1" dirty="0">
+                <a:solidFill>
+                  <a:schemeClr val="accent4">
+                    <a:lumMod val="75000"/>
+                  </a:schemeClr>
+                </a:solidFill>
                 <a:effectLst>
                   <a:outerShdw blurRad="50800" dist="38100" dir="5400000" algn="t" rotWithShape="0">
                     <a:prstClr val="black">
@@ -45101,6 +45585,11 @@
             </a:r>
             <a:r>
               <a:rPr lang="it-IT" sz="3600" b="1" dirty="0" err="1">
+                <a:solidFill>
+                  <a:schemeClr val="accent4">
+                    <a:lumMod val="75000"/>
+                  </a:schemeClr>
+                </a:solidFill>
                 <a:effectLst>
                   <a:outerShdw blurRad="50800" dist="38100" dir="5400000" algn="t" rotWithShape="0">
                     <a:prstClr val="black">
@@ -45114,6 +45603,11 @@
               <a:t>translation</a:t>
             </a:r>
             <a:endParaRPr lang="it-IT" dirty="0">
+              <a:solidFill>
+                <a:schemeClr val="accent4">
+                  <a:lumMod val="75000"/>
+                </a:schemeClr>
+              </a:solidFill>
               <a:effectLst>
                 <a:outerShdw blurRad="50800" dist="38100" dir="5400000" algn="t" rotWithShape="0">
                   <a:prstClr val="black">
@@ -45156,6 +45650,9 @@
           <a:p>
             <a:r>
               <a:rPr lang="it-IT" sz="3600" b="1" dirty="0" err="1">
+                <a:solidFill>
+                  <a:srgbClr val="002060"/>
+                </a:solidFill>
                 <a:effectLst>
                   <a:outerShdw blurRad="50800" dist="38100" dir="5400000" algn="t" rotWithShape="0">
                     <a:prstClr val="black">
@@ -45170,6 +45667,9 @@
             </a:r>
             <a:r>
               <a:rPr lang="it-IT" sz="3600" b="1" dirty="0">
+                <a:solidFill>
+                  <a:srgbClr val="002060"/>
+                </a:solidFill>
                 <a:effectLst>
                   <a:outerShdw blurRad="50800" dist="38100" dir="5400000" algn="t" rotWithShape="0">
                     <a:prstClr val="black">
@@ -45184,6 +45684,9 @@
             </a:r>
             <a:r>
               <a:rPr lang="it-IT" sz="3600" b="1" dirty="0" err="1">
+                <a:solidFill>
+                  <a:srgbClr val="002060"/>
+                </a:solidFill>
                 <a:effectLst>
                   <a:outerShdw blurRad="50800" dist="38100" dir="5400000" algn="t" rotWithShape="0">
                     <a:prstClr val="black">
@@ -45197,6 +45700,9 @@
               <a:t>memory</a:t>
             </a:r>
             <a:endParaRPr lang="it-IT" dirty="0">
+              <a:solidFill>
+                <a:srgbClr val="002060"/>
+              </a:solidFill>
               <a:effectLst>
                 <a:outerShdw blurRad="50800" dist="38100" dir="5400000" algn="t" rotWithShape="0">
                   <a:prstClr val="black">
@@ -45239,6 +45745,9 @@
           <a:p>
             <a:r>
               <a:rPr lang="it-IT" sz="3600" b="1" dirty="0" err="1">
+                <a:solidFill>
+                  <a:srgbClr val="FF0000"/>
+                </a:solidFill>
                 <a:effectLst>
                   <a:outerShdw blurRad="50800" dist="38100" dir="5400000" algn="t" rotWithShape="0">
                     <a:prstClr val="black">
@@ -45253,6 +45762,9 @@
             </a:r>
             <a:r>
               <a:rPr lang="it-IT" sz="3600" b="1" dirty="0">
+                <a:solidFill>
+                  <a:srgbClr val="FF0000"/>
+                </a:solidFill>
                 <a:effectLst>
                   <a:outerShdw blurRad="50800" dist="38100" dir="5400000" algn="t" rotWithShape="0">
                     <a:prstClr val="black">
@@ -45266,6 +45778,9 @@
               <a:t> history</a:t>
             </a:r>
             <a:endParaRPr lang="it-IT" dirty="0">
+              <a:solidFill>
+                <a:srgbClr val="FF0000"/>
+              </a:solidFill>
               <a:effectLst>
                 <a:outerShdw blurRad="50800" dist="38100" dir="5400000" algn="t" rotWithShape="0">
                   <a:prstClr val="black">
@@ -45308,6 +45823,9 @@
           <a:p>
             <a:r>
               <a:rPr lang="it-IT" sz="3600" b="1" dirty="0">
+                <a:solidFill>
+                  <a:srgbClr val="FFFF00"/>
+                </a:solidFill>
                 <a:effectLst>
                   <a:outerShdw blurRad="50800" dist="38100" dir="5400000" algn="t" rotWithShape="0">
                     <a:prstClr val="black">
@@ -45321,6 +45839,9 @@
               <a:t>spelling</a:t>
             </a:r>
             <a:endParaRPr lang="it-IT" dirty="0">
+              <a:solidFill>
+                <a:srgbClr val="FFFF00"/>
+              </a:solidFill>
               <a:effectLst>
                 <a:outerShdw blurRad="50800" dist="38100" dir="5400000" algn="t" rotWithShape="0">
                   <a:prstClr val="black">
@@ -45363,6 +45884,9 @@
           <a:p>
             <a:r>
               <a:rPr lang="it-IT" sz="3600" b="1" dirty="0" err="1">
+                <a:solidFill>
+                  <a:schemeClr val="accent1"/>
+                </a:solidFill>
                 <a:effectLst>
                   <a:outerShdw blurRad="50800" dist="38100" dir="5400000" algn="t" rotWithShape="0">
                     <a:prstClr val="black">
@@ -45377,6 +45901,9 @@
             </a:r>
             <a:r>
               <a:rPr lang="it-IT" sz="3600" b="1" dirty="0">
+                <a:solidFill>
+                  <a:schemeClr val="accent1"/>
+                </a:solidFill>
                 <a:effectLst>
                   <a:outerShdw blurRad="50800" dist="38100" dir="5400000" algn="t" rotWithShape="0">
                     <a:prstClr val="black">
@@ -45391,6 +45918,9 @@
             </a:r>
             <a:r>
               <a:rPr lang="it-IT" sz="3600" b="1" dirty="0" err="1">
+                <a:solidFill>
+                  <a:schemeClr val="accent1"/>
+                </a:solidFill>
                 <a:effectLst>
                   <a:outerShdw blurRad="50800" dist="38100" dir="5400000" algn="t" rotWithShape="0">
                     <a:prstClr val="black">
@@ -45404,6 +45934,9 @@
               <a:t>activity</a:t>
             </a:r>
             <a:endParaRPr lang="it-IT" dirty="0">
+              <a:solidFill>
+                <a:schemeClr val="accent1"/>
+              </a:solidFill>
               <a:effectLst>
                 <a:outerShdw blurRad="50800" dist="38100" dir="5400000" algn="t" rotWithShape="0">
                   <a:prstClr val="black">
@@ -46194,53 +46727,6 @@
           </a:p>
         </p:txBody>
       </p:sp>
-      <p:sp>
-        <p:nvSpPr>
-          <p:cNvPr id="4" name="Stella a 10 punte 3">
-            <a:extLst>
-              <a:ext uri="{FF2B5EF4-FFF2-40B4-BE49-F238E27FC236}">
-                <a16:creationId xmlns:a16="http://schemas.microsoft.com/office/drawing/2014/main" id="{FA17C962-8ABB-48A3-99ED-F3BF85073F0E}"/>
-              </a:ext>
-            </a:extLst>
-          </p:cNvPr>
-          <p:cNvSpPr/>
-          <p:nvPr/>
-        </p:nvSpPr>
-        <p:spPr>
-          <a:xfrm rot="900000">
-            <a:off x="10594073" y="56119"/>
-            <a:ext cx="1481541" cy="1481541"/>
-          </a:xfrm>
-          <a:prstGeom prst="star10">
-            <a:avLst/>
-          </a:prstGeom>
-        </p:spPr>
-        <p:style>
-          <a:lnRef idx="3">
-            <a:schemeClr val="lt1"/>
-          </a:lnRef>
-          <a:fillRef idx="1">
-            <a:schemeClr val="accent2"/>
-          </a:fillRef>
-          <a:effectRef idx="1">
-            <a:schemeClr val="accent2"/>
-          </a:effectRef>
-          <a:fontRef idx="minor">
-            <a:schemeClr val="lt1"/>
-          </a:fontRef>
-        </p:style>
-        <p:txBody>
-          <a:bodyPr rtlCol="0" anchor="ctr"/>
-          <a:lstStyle/>
-          <a:p>
-            <a:pPr algn="ctr"/>
-            <a:r>
-              <a:rPr lang="it-IT" dirty="0"/>
-              <a:t>A TRUE STORY</a:t>
-            </a:r>
-          </a:p>
-        </p:txBody>
-      </p:sp>
       <p:graphicFrame>
         <p:nvGraphicFramePr>
           <p:cNvPr id="11" name="Diagramma 10">
@@ -46271,49 +46757,62 @@
       </p:graphicFrame>
       <p:pic>
         <p:nvPicPr>
-          <p:cNvPr id="2050" name="Picture 2" descr="Circular Arrow">
+          <p:cNvPr id="6" name="Immagine 5">
             <a:extLst>
               <a:ext uri="{FF2B5EF4-FFF2-40B4-BE49-F238E27FC236}">
-                <a16:creationId xmlns:a16="http://schemas.microsoft.com/office/drawing/2014/main" id="{D9FE264E-8F97-4AD8-8A91-441F9BB18CBF}"/>
+                <a16:creationId xmlns:a16="http://schemas.microsoft.com/office/drawing/2014/main" id="{D15C6275-06EC-4977-964D-5BA936FE4743}"/>
               </a:ext>
             </a:extLst>
           </p:cNvPr>
           <p:cNvPicPr>
-            <a:picLocks noChangeAspect="1" noChangeArrowheads="1"/>
+            <a:picLocks noChangeAspect="1"/>
           </p:cNvPicPr>
           <p:nvPr/>
         </p:nvPicPr>
         <p:blipFill>
-          <a:blip r:embed="rId7">
-            <a:extLst>
-              <a:ext uri="{28A0092B-C50C-407E-A947-70E740481C1C}">
-                <a14:useLocalDpi xmlns:a14="http://schemas.microsoft.com/office/drawing/2010/main" val="0"/>
-              </a:ext>
-            </a:extLst>
-          </a:blip>
-          <a:srcRect/>
+          <a:blip r:embed="rId7"/>
           <a:stretch>
             <a:fillRect/>
           </a:stretch>
         </p:blipFill>
-        <p:spPr bwMode="auto">
+        <p:spPr>
           <a:xfrm>
-            <a:off x="6201628" y="4983484"/>
-            <a:ext cx="731450" cy="731450"/>
+            <a:off x="8323701" y="5720339"/>
+            <a:ext cx="565642" cy="600050"/>
           </a:xfrm>
           <a:prstGeom prst="rect">
             <a:avLst/>
           </a:prstGeom>
-          <a:noFill/>
-          <a:extLst>
-            <a:ext uri="{909E8E84-426E-40DD-AFC4-6F175D3DCCD1}">
-              <a14:hiddenFill xmlns:a14="http://schemas.microsoft.com/office/drawing/2010/main">
-                <a:solidFill>
-                  <a:srgbClr val="FFFFFF"/>
-                </a:solidFill>
-              </a14:hiddenFill>
-            </a:ext>
-          </a:extLst>
+        </p:spPr>
+      </p:pic>
+      <p:pic>
+        <p:nvPicPr>
+          <p:cNvPr id="8" name="Immagine 7">
+            <a:extLst>
+              <a:ext uri="{FF2B5EF4-FFF2-40B4-BE49-F238E27FC236}">
+                <a16:creationId xmlns:a16="http://schemas.microsoft.com/office/drawing/2014/main" id="{5E0F72B4-C1FB-4977-83AE-429D46920F5A}"/>
+              </a:ext>
+            </a:extLst>
+          </p:cNvPr>
+          <p:cNvPicPr>
+            <a:picLocks noChangeAspect="1"/>
+          </p:cNvPicPr>
+          <p:nvPr/>
+        </p:nvPicPr>
+        <p:blipFill>
+          <a:blip r:embed="rId8"/>
+          <a:stretch>
+            <a:fillRect/>
+          </a:stretch>
+        </p:blipFill>
+        <p:spPr>
+          <a:xfrm>
+            <a:off x="7836373" y="5145377"/>
+            <a:ext cx="487328" cy="487328"/>
+          </a:xfrm>
+          <a:prstGeom prst="rect">
+            <a:avLst/>
+          </a:prstGeom>
         </p:spPr>
       </p:pic>
     </p:spTree>
@@ -46326,6 +46825,77 @@
   <p:clrMapOvr>
     <a:masterClrMapping/>
   </p:clrMapOvr>
+  <p:timing>
+    <p:tnLst>
+      <p:par>
+        <p:cTn id="1" dur="indefinite" restart="never" nodeType="tmRoot">
+          <p:childTnLst>
+            <p:seq concurrent="1" nextAc="seek">
+              <p:cTn id="2" dur="indefinite" nodeType="mainSeq">
+                <p:childTnLst>
+                  <p:par>
+                    <p:cTn id="3" fill="hold">
+                      <p:stCondLst>
+                        <p:cond delay="indefinite"/>
+                        <p:cond evt="onBegin" delay="0">
+                          <p:tn val="2"/>
+                        </p:cond>
+                      </p:stCondLst>
+                      <p:childTnLst>
+                        <p:par>
+                          <p:cTn id="4" fill="hold">
+                            <p:stCondLst>
+                              <p:cond delay="0"/>
+                            </p:stCondLst>
+                            <p:childTnLst>
+                              <p:par>
+                                <p:cTn id="5" presetID="8" presetClass="emph" presetSubtype="0" repeatCount="indefinite" fill="hold" nodeType="withEffect">
+                                  <p:stCondLst>
+                                    <p:cond delay="0"/>
+                                  </p:stCondLst>
+                                  <p:childTnLst>
+                                    <p:animRot by="21600000">
+                                      <p:cBhvr>
+                                        <p:cTn id="6" dur="2000" fill="hold"/>
+                                        <p:tgtEl>
+                                          <p:spTgt spid="8"/>
+                                        </p:tgtEl>
+                                        <p:attrNameLst>
+                                          <p:attrName>r</p:attrName>
+                                        </p:attrNameLst>
+                                      </p:cBhvr>
+                                    </p:animRot>
+                                  </p:childTnLst>
+                                </p:cTn>
+                              </p:par>
+                            </p:childTnLst>
+                          </p:cTn>
+                        </p:par>
+                      </p:childTnLst>
+                    </p:cTn>
+                  </p:par>
+                </p:childTnLst>
+              </p:cTn>
+              <p:prevCondLst>
+                <p:cond evt="onPrev" delay="0">
+                  <p:tgtEl>
+                    <p:sldTgt/>
+                  </p:tgtEl>
+                </p:cond>
+              </p:prevCondLst>
+              <p:nextCondLst>
+                <p:cond evt="onNext" delay="0">
+                  <p:tgtEl>
+                    <p:sldTgt/>
+                  </p:tgtEl>
+                </p:cond>
+              </p:nextCondLst>
+            </p:seq>
+          </p:childTnLst>
+        </p:cTn>
+      </p:par>
+    </p:tnLst>
+  </p:timing>
 </p:sld>
 </file>
 
@@ -47442,12 +48012,67 @@
           <a:chExt cx="0" cy="0"/>
         </a:xfrm>
       </p:grpSpPr>
+      <p:sp>
+        <p:nvSpPr>
+          <p:cNvPr id="5" name="Titolo 1">
+            <a:extLst>
+              <a:ext uri="{FF2B5EF4-FFF2-40B4-BE49-F238E27FC236}">
+                <a16:creationId xmlns:a16="http://schemas.microsoft.com/office/drawing/2014/main" id="{D25AD2EF-1B09-4020-BF6B-146BFC97711D}"/>
+              </a:ext>
+            </a:extLst>
+          </p:cNvPr>
+          <p:cNvSpPr txBox="1">
+            <a:spLocks/>
+          </p:cNvSpPr>
+          <p:nvPr/>
+        </p:nvSpPr>
+        <p:spPr>
+          <a:xfrm>
+            <a:off x="1251678" y="382385"/>
+            <a:ext cx="10178322" cy="1492132"/>
+          </a:xfrm>
+          <a:prstGeom prst="rect">
+            <a:avLst/>
+          </a:prstGeom>
+        </p:spPr>
+        <p:txBody>
+          <a:bodyPr vert="horz" lIns="91440" tIns="45720" rIns="91440" bIns="45720" rtlCol="0" anchor="t">
+            <a:normAutofit/>
+          </a:bodyPr>
+          <a:lstStyle>
+            <a:lvl1pPr algn="l" defTabSz="914400" rtl="0" eaLnBrk="1" latinLnBrk="0" hangingPunct="1">
+              <a:lnSpc>
+                <a:spcPct val="90000"/>
+              </a:lnSpc>
+              <a:spcBef>
+                <a:spcPct val="0"/>
+              </a:spcBef>
+              <a:buNone/>
+              <a:defRPr sz="5100" kern="1200" cap="all" spc="200" baseline="0">
+                <a:solidFill>
+                  <a:schemeClr val="tx2"/>
+                </a:solidFill>
+                <a:latin typeface="+mj-lt"/>
+                <a:ea typeface="+mj-ea"/>
+                <a:cs typeface="+mj-cs"/>
+              </a:defRPr>
+            </a:lvl1pPr>
+          </a:lstStyle>
+          <a:p>
+            <a:r>
+              <a:rPr lang="it-IT" dirty="0" err="1"/>
+              <a:t>Thank.you</a:t>
+            </a:r>
+            <a:endParaRPr lang="it-IT" dirty="0"/>
+          </a:p>
+        </p:txBody>
+      </p:sp>
       <p:pic>
         <p:nvPicPr>
-          <p:cNvPr id="1028" name="Picture 4" descr="https://upload.wikimedia.org/wikipedia/commons/thumb/f/fc/Pieter_Bruegel_the_Elder_-_The_Tower_of_Babel_%28Vienna%29_-_Google_Art_Project_-_edited.jpg/1280px-Pieter_Bruegel_the_Elder_-_The_Tower_of_Babel_%28Vienna%29_-_Google_Art_Project_-_edited.jpg">
+          <p:cNvPr id="1026" name="Picture 2" descr="Risultati immagini per translation mistakes funny">
             <a:extLst>
               <a:ext uri="{FF2B5EF4-FFF2-40B4-BE49-F238E27FC236}">
-                <a16:creationId xmlns:a16="http://schemas.microsoft.com/office/drawing/2014/main" id="{1272AAF5-4C6D-4603-A68A-7FE023001D33}"/>
+                <a16:creationId xmlns:a16="http://schemas.microsoft.com/office/drawing/2014/main" id="{6A2711B5-06AF-486C-A6BB-BD9C84728AC7}"/>
               </a:ext>
             </a:extLst>
           </p:cNvPr>
@@ -47471,8 +48096,8 @@
         </p:blipFill>
         <p:spPr bwMode="auto">
           <a:xfrm>
-            <a:off x="0" y="0"/>
-            <a:ext cx="12192000" cy="8925512"/>
+            <a:off x="3714750" y="2257616"/>
+            <a:ext cx="4762500" cy="3171825"/>
           </a:xfrm>
           <a:prstGeom prst="rect">
             <a:avLst/>
@@ -47489,42 +48114,6 @@
           </a:extLst>
         </p:spPr>
       </p:pic>
-      <p:sp>
-        <p:nvSpPr>
-          <p:cNvPr id="6" name="Titolo 1">
-            <a:extLst>
-              <a:ext uri="{FF2B5EF4-FFF2-40B4-BE49-F238E27FC236}">
-                <a16:creationId xmlns:a16="http://schemas.microsoft.com/office/drawing/2014/main" id="{40E373B1-EC76-4773-8FFF-C05296C2AC52}"/>
-              </a:ext>
-            </a:extLst>
-          </p:cNvPr>
-          <p:cNvSpPr>
-            <a:spLocks noGrp="1"/>
-          </p:cNvSpPr>
-          <p:nvPr>
-            <p:ph type="title"/>
-          </p:nvPr>
-        </p:nvSpPr>
-        <p:spPr>
-          <a:xfrm>
-            <a:off x="0" y="144775"/>
-            <a:ext cx="10178322" cy="1492132"/>
-          </a:xfrm>
-        </p:spPr>
-        <p:txBody>
-          <a:bodyPr>
-            <a:normAutofit/>
-          </a:bodyPr>
-          <a:lstStyle/>
-          <a:p>
-            <a:r>
-              <a:rPr lang="it-IT" sz="2800" dirty="0"/>
-              <a:t>THANK.YOU</a:t>
-            </a:r>
-            <a:endParaRPr lang="it-IT" dirty="0"/>
-          </a:p>
-        </p:txBody>
-      </p:sp>
     </p:spTree>
     <p:extLst>
       <p:ext uri="{BB962C8B-B14F-4D97-AF65-F5344CB8AC3E}">
@@ -47581,53 +48170,6 @@
               <a:t>once.upon.a.time</a:t>
             </a:r>
             <a:endParaRPr lang="it-IT" dirty="0"/>
-          </a:p>
-        </p:txBody>
-      </p:sp>
-      <p:sp>
-        <p:nvSpPr>
-          <p:cNvPr id="4" name="Stella a 10 punte 3">
-            <a:extLst>
-              <a:ext uri="{FF2B5EF4-FFF2-40B4-BE49-F238E27FC236}">
-                <a16:creationId xmlns:a16="http://schemas.microsoft.com/office/drawing/2014/main" id="{FA17C962-8ABB-48A3-99ED-F3BF85073F0E}"/>
-              </a:ext>
-            </a:extLst>
-          </p:cNvPr>
-          <p:cNvSpPr/>
-          <p:nvPr/>
-        </p:nvSpPr>
-        <p:spPr>
-          <a:xfrm rot="900000">
-            <a:off x="10594073" y="56119"/>
-            <a:ext cx="1481541" cy="1481541"/>
-          </a:xfrm>
-          <a:prstGeom prst="star10">
-            <a:avLst/>
-          </a:prstGeom>
-        </p:spPr>
-        <p:style>
-          <a:lnRef idx="3">
-            <a:schemeClr val="lt1"/>
-          </a:lnRef>
-          <a:fillRef idx="1">
-            <a:schemeClr val="accent2"/>
-          </a:fillRef>
-          <a:effectRef idx="1">
-            <a:schemeClr val="accent2"/>
-          </a:effectRef>
-          <a:fontRef idx="minor">
-            <a:schemeClr val="lt1"/>
-          </a:fontRef>
-        </p:style>
-        <p:txBody>
-          <a:bodyPr rtlCol="0" anchor="ctr"/>
-          <a:lstStyle/>
-          <a:p>
-            <a:pPr algn="ctr"/>
-            <a:r>
-              <a:rPr lang="it-IT" dirty="0"/>
-              <a:t>A TRUE STORY</a:t>
-            </a:r>
           </a:p>
         </p:txBody>
       </p:sp>
@@ -48410,7 +48952,7 @@
           <p:nvPr/>
         </p:nvSpPr>
         <p:spPr>
-          <a:xfrm rot="3117249">
+          <a:xfrm rot="3636093">
             <a:off x="8611493" y="3586698"/>
             <a:ext cx="1510375" cy="1892624"/>
           </a:xfrm>
@@ -48592,6 +49134,75 @@
           </a:prstGeom>
         </p:spPr>
       </p:pic>
+      <p:sp>
+        <p:nvSpPr>
+          <p:cNvPr id="25" name="Stella a 10 punte 24">
+            <a:extLst>
+              <a:ext uri="{FF2B5EF4-FFF2-40B4-BE49-F238E27FC236}">
+                <a16:creationId xmlns:a16="http://schemas.microsoft.com/office/drawing/2014/main" id="{2585F4EA-EAF7-44E9-9FF3-AF30929B82FD}"/>
+              </a:ext>
+            </a:extLst>
+          </p:cNvPr>
+          <p:cNvSpPr/>
+          <p:nvPr/>
+        </p:nvSpPr>
+        <p:spPr>
+          <a:xfrm rot="21089863">
+            <a:off x="303088" y="5222177"/>
+            <a:ext cx="1587348" cy="1587346"/>
+          </a:xfrm>
+          <a:prstGeom prst="star10">
+            <a:avLst/>
+          </a:prstGeom>
+          <a:effectLst>
+            <a:outerShdw blurRad="50800" dist="38100" dir="5400000" algn="t" rotWithShape="0">
+              <a:prstClr val="black">
+                <a:alpha val="40000"/>
+              </a:prstClr>
+            </a:outerShdw>
+          </a:effectLst>
+        </p:spPr>
+        <p:style>
+          <a:lnRef idx="3">
+            <a:schemeClr val="lt1"/>
+          </a:lnRef>
+          <a:fillRef idx="1">
+            <a:schemeClr val="accent1"/>
+          </a:fillRef>
+          <a:effectRef idx="1">
+            <a:schemeClr val="accent1"/>
+          </a:effectRef>
+          <a:fontRef idx="minor">
+            <a:schemeClr val="lt1"/>
+          </a:fontRef>
+        </p:style>
+        <p:txBody>
+          <a:bodyPr rtlCol="0" anchor="ctr"/>
+          <a:lstStyle/>
+          <a:p>
+            <a:pPr algn="ctr"/>
+            <a:r>
+              <a:rPr lang="it-IT" b="1" dirty="0">
+                <a:ln w="6600">
+                  <a:solidFill>
+                    <a:schemeClr val="accent2"/>
+                  </a:solidFill>
+                  <a:prstDash val="solid"/>
+                </a:ln>
+                <a:solidFill>
+                  <a:srgbClr val="FFFFFF"/>
+                </a:solidFill>
+                <a:effectLst>
+                  <a:outerShdw dist="38100" dir="2700000" algn="tl" rotWithShape="0">
+                    <a:schemeClr val="accent2"/>
+                  </a:outerShdw>
+                </a:effectLst>
+              </a:rPr>
+              <a:t>A TRUE STORY</a:t>
+            </a:r>
+          </a:p>
+        </p:txBody>
+      </p:sp>
     </p:spTree>
     <p:extLst>
       <p:ext uri="{BB962C8B-B14F-4D97-AF65-F5344CB8AC3E}">
@@ -48602,6 +49213,410 @@
   <p:clrMapOvr>
     <a:masterClrMapping/>
   </p:clrMapOvr>
+  <p:timing>
+    <p:tnLst>
+      <p:par>
+        <p:cTn id="1" dur="indefinite" restart="never" nodeType="tmRoot">
+          <p:childTnLst>
+            <p:seq concurrent="1" nextAc="seek">
+              <p:cTn id="2" dur="indefinite" nodeType="mainSeq">
+                <p:childTnLst>
+                  <p:par>
+                    <p:cTn id="3" fill="hold">
+                      <p:stCondLst>
+                        <p:cond delay="indefinite"/>
+                      </p:stCondLst>
+                      <p:childTnLst>
+                        <p:par>
+                          <p:cTn id="4" fill="hold">
+                            <p:stCondLst>
+                              <p:cond delay="0"/>
+                            </p:stCondLst>
+                            <p:childTnLst>
+                              <p:par>
+                                <p:cTn id="5" presetID="10" presetClass="entr" presetSubtype="0" fill="hold" grpId="0" nodeType="clickEffect">
+                                  <p:stCondLst>
+                                    <p:cond delay="0"/>
+                                  </p:stCondLst>
+                                  <p:childTnLst>
+                                    <p:set>
+                                      <p:cBhvr>
+                                        <p:cTn id="6" dur="1" fill="hold">
+                                          <p:stCondLst>
+                                            <p:cond delay="0"/>
+                                          </p:stCondLst>
+                                        </p:cTn>
+                                        <p:tgtEl>
+                                          <p:spTgt spid="3"/>
+                                        </p:tgtEl>
+                                        <p:attrNameLst>
+                                          <p:attrName>style.visibility</p:attrName>
+                                        </p:attrNameLst>
+                                      </p:cBhvr>
+                                      <p:to>
+                                        <p:strVal val="visible"/>
+                                      </p:to>
+                                    </p:set>
+                                    <p:animEffect transition="in" filter="fade">
+                                      <p:cBhvr>
+                                        <p:cTn id="7" dur="500"/>
+                                        <p:tgtEl>
+                                          <p:spTgt spid="3"/>
+                                        </p:tgtEl>
+                                      </p:cBhvr>
+                                    </p:animEffect>
+                                  </p:childTnLst>
+                                </p:cTn>
+                              </p:par>
+                            </p:childTnLst>
+                          </p:cTn>
+                        </p:par>
+                      </p:childTnLst>
+                    </p:cTn>
+                  </p:par>
+                  <p:par>
+                    <p:cTn id="8" fill="hold">
+                      <p:stCondLst>
+                        <p:cond delay="indefinite"/>
+                      </p:stCondLst>
+                      <p:childTnLst>
+                        <p:par>
+                          <p:cTn id="9" fill="hold">
+                            <p:stCondLst>
+                              <p:cond delay="0"/>
+                            </p:stCondLst>
+                            <p:childTnLst>
+                              <p:par>
+                                <p:cTn id="10" presetID="10" presetClass="entr" presetSubtype="0" fill="hold" nodeType="clickEffect">
+                                  <p:stCondLst>
+                                    <p:cond delay="0"/>
+                                  </p:stCondLst>
+                                  <p:childTnLst>
+                                    <p:set>
+                                      <p:cBhvr>
+                                        <p:cTn id="11" dur="1" fill="hold">
+                                          <p:stCondLst>
+                                            <p:cond delay="0"/>
+                                          </p:stCondLst>
+                                        </p:cTn>
+                                        <p:tgtEl>
+                                          <p:spTgt spid="6"/>
+                                        </p:tgtEl>
+                                        <p:attrNameLst>
+                                          <p:attrName>style.visibility</p:attrName>
+                                        </p:attrNameLst>
+                                      </p:cBhvr>
+                                      <p:to>
+                                        <p:strVal val="visible"/>
+                                      </p:to>
+                                    </p:set>
+                                    <p:animEffect transition="in" filter="fade">
+                                      <p:cBhvr>
+                                        <p:cTn id="12" dur="500"/>
+                                        <p:tgtEl>
+                                          <p:spTgt spid="6"/>
+                                        </p:tgtEl>
+                                      </p:cBhvr>
+                                    </p:animEffect>
+                                  </p:childTnLst>
+                                </p:cTn>
+                              </p:par>
+                            </p:childTnLst>
+                          </p:cTn>
+                        </p:par>
+                        <p:par>
+                          <p:cTn id="13" fill="hold">
+                            <p:stCondLst>
+                              <p:cond delay="500"/>
+                            </p:stCondLst>
+                            <p:childTnLst>
+                              <p:par>
+                                <p:cTn id="14" presetID="10" presetClass="entr" presetSubtype="0" fill="hold" nodeType="afterEffect">
+                                  <p:stCondLst>
+                                    <p:cond delay="0"/>
+                                  </p:stCondLst>
+                                  <p:childTnLst>
+                                    <p:set>
+                                      <p:cBhvr>
+                                        <p:cTn id="15" dur="1" fill="hold">
+                                          <p:stCondLst>
+                                            <p:cond delay="0"/>
+                                          </p:stCondLst>
+                                        </p:cTn>
+                                        <p:tgtEl>
+                                          <p:spTgt spid="9"/>
+                                        </p:tgtEl>
+                                        <p:attrNameLst>
+                                          <p:attrName>style.visibility</p:attrName>
+                                        </p:attrNameLst>
+                                      </p:cBhvr>
+                                      <p:to>
+                                        <p:strVal val="visible"/>
+                                      </p:to>
+                                    </p:set>
+                                    <p:animEffect transition="in" filter="fade">
+                                      <p:cBhvr>
+                                        <p:cTn id="16" dur="500"/>
+                                        <p:tgtEl>
+                                          <p:spTgt spid="9"/>
+                                        </p:tgtEl>
+                                      </p:cBhvr>
+                                    </p:animEffect>
+                                  </p:childTnLst>
+                                </p:cTn>
+                              </p:par>
+                            </p:childTnLst>
+                          </p:cTn>
+                        </p:par>
+                        <p:par>
+                          <p:cTn id="17" fill="hold">
+                            <p:stCondLst>
+                              <p:cond delay="1000"/>
+                            </p:stCondLst>
+                            <p:childTnLst>
+                              <p:par>
+                                <p:cTn id="18" presetID="10" presetClass="entr" presetSubtype="0" fill="hold" nodeType="afterEffect">
+                                  <p:stCondLst>
+                                    <p:cond delay="0"/>
+                                  </p:stCondLst>
+                                  <p:childTnLst>
+                                    <p:set>
+                                      <p:cBhvr>
+                                        <p:cTn id="19" dur="1" fill="hold">
+                                          <p:stCondLst>
+                                            <p:cond delay="0"/>
+                                          </p:stCondLst>
+                                        </p:cTn>
+                                        <p:tgtEl>
+                                          <p:spTgt spid="16"/>
+                                        </p:tgtEl>
+                                        <p:attrNameLst>
+                                          <p:attrName>style.visibility</p:attrName>
+                                        </p:attrNameLst>
+                                      </p:cBhvr>
+                                      <p:to>
+                                        <p:strVal val="visible"/>
+                                      </p:to>
+                                    </p:set>
+                                    <p:animEffect transition="in" filter="fade">
+                                      <p:cBhvr>
+                                        <p:cTn id="20" dur="500"/>
+                                        <p:tgtEl>
+                                          <p:spTgt spid="16"/>
+                                        </p:tgtEl>
+                                      </p:cBhvr>
+                                    </p:animEffect>
+                                  </p:childTnLst>
+                                </p:cTn>
+                              </p:par>
+                            </p:childTnLst>
+                          </p:cTn>
+                        </p:par>
+                        <p:par>
+                          <p:cTn id="21" fill="hold">
+                            <p:stCondLst>
+                              <p:cond delay="1500"/>
+                            </p:stCondLst>
+                            <p:childTnLst>
+                              <p:par>
+                                <p:cTn id="22" presetID="10" presetClass="entr" presetSubtype="0" fill="hold" nodeType="afterEffect">
+                                  <p:stCondLst>
+                                    <p:cond delay="0"/>
+                                  </p:stCondLst>
+                                  <p:childTnLst>
+                                    <p:set>
+                                      <p:cBhvr>
+                                        <p:cTn id="23" dur="1" fill="hold">
+                                          <p:stCondLst>
+                                            <p:cond delay="0"/>
+                                          </p:stCondLst>
+                                        </p:cTn>
+                                        <p:tgtEl>
+                                          <p:spTgt spid="13"/>
+                                        </p:tgtEl>
+                                        <p:attrNameLst>
+                                          <p:attrName>style.visibility</p:attrName>
+                                        </p:attrNameLst>
+                                      </p:cBhvr>
+                                      <p:to>
+                                        <p:strVal val="visible"/>
+                                      </p:to>
+                                    </p:set>
+                                    <p:animEffect transition="in" filter="fade">
+                                      <p:cBhvr>
+                                        <p:cTn id="24" dur="500"/>
+                                        <p:tgtEl>
+                                          <p:spTgt spid="13"/>
+                                        </p:tgtEl>
+                                      </p:cBhvr>
+                                    </p:animEffect>
+                                  </p:childTnLst>
+                                </p:cTn>
+                              </p:par>
+                            </p:childTnLst>
+                          </p:cTn>
+                        </p:par>
+                        <p:par>
+                          <p:cTn id="25" fill="hold">
+                            <p:stCondLst>
+                              <p:cond delay="2000"/>
+                            </p:stCondLst>
+                            <p:childTnLst>
+                              <p:par>
+                                <p:cTn id="26" presetID="10" presetClass="entr" presetSubtype="0" fill="hold" grpId="0" nodeType="afterEffect">
+                                  <p:stCondLst>
+                                    <p:cond delay="0"/>
+                                  </p:stCondLst>
+                                  <p:childTnLst>
+                                    <p:set>
+                                      <p:cBhvr>
+                                        <p:cTn id="27" dur="1" fill="hold">
+                                          <p:stCondLst>
+                                            <p:cond delay="0"/>
+                                          </p:stCondLst>
+                                        </p:cTn>
+                                        <p:tgtEl>
+                                          <p:spTgt spid="5"/>
+                                        </p:tgtEl>
+                                        <p:attrNameLst>
+                                          <p:attrName>style.visibility</p:attrName>
+                                        </p:attrNameLst>
+                                      </p:cBhvr>
+                                      <p:to>
+                                        <p:strVal val="visible"/>
+                                      </p:to>
+                                    </p:set>
+                                    <p:animEffect transition="in" filter="fade">
+                                      <p:cBhvr>
+                                        <p:cTn id="28" dur="500"/>
+                                        <p:tgtEl>
+                                          <p:spTgt spid="5"/>
+                                        </p:tgtEl>
+                                      </p:cBhvr>
+                                    </p:animEffect>
+                                  </p:childTnLst>
+                                </p:cTn>
+                              </p:par>
+                            </p:childTnLst>
+                          </p:cTn>
+                        </p:par>
+                        <p:par>
+                          <p:cTn id="29" fill="hold">
+                            <p:stCondLst>
+                              <p:cond delay="2500"/>
+                            </p:stCondLst>
+                            <p:childTnLst>
+                              <p:par>
+                                <p:cTn id="30" presetID="10" presetClass="entr" presetSubtype="0" fill="hold" nodeType="afterEffect">
+                                  <p:stCondLst>
+                                    <p:cond delay="0"/>
+                                  </p:stCondLst>
+                                  <p:childTnLst>
+                                    <p:set>
+                                      <p:cBhvr>
+                                        <p:cTn id="31" dur="1" fill="hold">
+                                          <p:stCondLst>
+                                            <p:cond delay="0"/>
+                                          </p:stCondLst>
+                                        </p:cTn>
+                                        <p:tgtEl>
+                                          <p:spTgt spid="22"/>
+                                        </p:tgtEl>
+                                        <p:attrNameLst>
+                                          <p:attrName>style.visibility</p:attrName>
+                                        </p:attrNameLst>
+                                      </p:cBhvr>
+                                      <p:to>
+                                        <p:strVal val="visible"/>
+                                      </p:to>
+                                    </p:set>
+                                    <p:animEffect transition="in" filter="fade">
+                                      <p:cBhvr>
+                                        <p:cTn id="32" dur="500"/>
+                                        <p:tgtEl>
+                                          <p:spTgt spid="22"/>
+                                        </p:tgtEl>
+                                      </p:cBhvr>
+                                    </p:animEffect>
+                                  </p:childTnLst>
+                                </p:cTn>
+                              </p:par>
+                            </p:childTnLst>
+                          </p:cTn>
+                        </p:par>
+                        <p:par>
+                          <p:cTn id="33" fill="hold">
+                            <p:stCondLst>
+                              <p:cond delay="3000"/>
+                            </p:stCondLst>
+                            <p:childTnLst>
+                              <p:par>
+                                <p:cTn id="34" presetID="10" presetClass="entr" presetSubtype="0" fill="hold" nodeType="afterEffect">
+                                  <p:stCondLst>
+                                    <p:cond delay="0"/>
+                                  </p:stCondLst>
+                                  <p:childTnLst>
+                                    <p:set>
+                                      <p:cBhvr>
+                                        <p:cTn id="35" dur="1" fill="hold">
+                                          <p:stCondLst>
+                                            <p:cond delay="0"/>
+                                          </p:stCondLst>
+                                        </p:cTn>
+                                        <p:tgtEl>
+                                          <p:spTgt spid="21"/>
+                                        </p:tgtEl>
+                                        <p:attrNameLst>
+                                          <p:attrName>style.visibility</p:attrName>
+                                        </p:attrNameLst>
+                                      </p:cBhvr>
+                                      <p:to>
+                                        <p:strVal val="visible"/>
+                                      </p:to>
+                                    </p:set>
+                                    <p:animEffect transition="in" filter="fade">
+                                      <p:cBhvr>
+                                        <p:cTn id="36" dur="500"/>
+                                        <p:tgtEl>
+                                          <p:spTgt spid="21"/>
+                                        </p:tgtEl>
+                                      </p:cBhvr>
+                                    </p:animEffect>
+                                  </p:childTnLst>
+                                </p:cTn>
+                              </p:par>
+                            </p:childTnLst>
+                          </p:cTn>
+                        </p:par>
+                      </p:childTnLst>
+                    </p:cTn>
+                  </p:par>
+                </p:childTnLst>
+              </p:cTn>
+              <p:prevCondLst>
+                <p:cond evt="onPrev" delay="0">
+                  <p:tgtEl>
+                    <p:sldTgt/>
+                  </p:tgtEl>
+                </p:cond>
+              </p:prevCondLst>
+              <p:nextCondLst>
+                <p:cond evt="onNext" delay="0">
+                  <p:tgtEl>
+                    <p:sldTgt/>
+                  </p:tgtEl>
+                </p:cond>
+              </p:nextCondLst>
+            </p:seq>
+          </p:childTnLst>
+        </p:cTn>
+      </p:par>
+    </p:tnLst>
+    <p:bldLst>
+      <p:bldP spid="3" grpId="0" animBg="1"/>
+      <p:bldP spid="5" grpId="0" animBg="1"/>
+    </p:bldLst>
+  </p:timing>
 </p:sld>
 </file>
 
@@ -48648,53 +49663,6 @@
               <a:t>once.upon.a.time</a:t>
             </a:r>
             <a:endParaRPr lang="it-IT" dirty="0"/>
-          </a:p>
-        </p:txBody>
-      </p:sp>
-      <p:sp>
-        <p:nvSpPr>
-          <p:cNvPr id="4" name="Stella a 10 punte 3">
-            <a:extLst>
-              <a:ext uri="{FF2B5EF4-FFF2-40B4-BE49-F238E27FC236}">
-                <a16:creationId xmlns:a16="http://schemas.microsoft.com/office/drawing/2014/main" id="{FA17C962-8ABB-48A3-99ED-F3BF85073F0E}"/>
-              </a:ext>
-            </a:extLst>
-          </p:cNvPr>
-          <p:cNvSpPr/>
-          <p:nvPr/>
-        </p:nvSpPr>
-        <p:spPr>
-          <a:xfrm rot="900000">
-            <a:off x="10594073" y="56119"/>
-            <a:ext cx="1481541" cy="1481541"/>
-          </a:xfrm>
-          <a:prstGeom prst="star10">
-            <a:avLst/>
-          </a:prstGeom>
-        </p:spPr>
-        <p:style>
-          <a:lnRef idx="3">
-            <a:schemeClr val="lt1"/>
-          </a:lnRef>
-          <a:fillRef idx="1">
-            <a:schemeClr val="accent2"/>
-          </a:fillRef>
-          <a:effectRef idx="1">
-            <a:schemeClr val="accent2"/>
-          </a:effectRef>
-          <a:fontRef idx="minor">
-            <a:schemeClr val="lt1"/>
-          </a:fontRef>
-        </p:style>
-        <p:txBody>
-          <a:bodyPr rtlCol="0" anchor="ctr"/>
-          <a:lstStyle/>
-          <a:p>
-            <a:pPr algn="ctr"/>
-            <a:r>
-              <a:rPr lang="it-IT" dirty="0"/>
-              <a:t>A TRUE STORY</a:t>
-            </a:r>
           </a:p>
         </p:txBody>
       </p:sp>
@@ -49914,6 +50882,75 @@
           </a:prstGeom>
         </p:spPr>
       </p:pic>
+      <p:sp>
+        <p:nvSpPr>
+          <p:cNvPr id="33" name="Stella a 10 punte 32">
+            <a:extLst>
+              <a:ext uri="{FF2B5EF4-FFF2-40B4-BE49-F238E27FC236}">
+                <a16:creationId xmlns:a16="http://schemas.microsoft.com/office/drawing/2014/main" id="{2956674C-03F8-404A-B3A6-7E9F0AD18879}"/>
+              </a:ext>
+            </a:extLst>
+          </p:cNvPr>
+          <p:cNvSpPr/>
+          <p:nvPr/>
+        </p:nvSpPr>
+        <p:spPr>
+          <a:xfrm rot="21089863">
+            <a:off x="303088" y="5222177"/>
+            <a:ext cx="1587348" cy="1587346"/>
+          </a:xfrm>
+          <a:prstGeom prst="star10">
+            <a:avLst/>
+          </a:prstGeom>
+          <a:effectLst>
+            <a:outerShdw blurRad="50800" dist="38100" dir="5400000" algn="t" rotWithShape="0">
+              <a:prstClr val="black">
+                <a:alpha val="40000"/>
+              </a:prstClr>
+            </a:outerShdw>
+          </a:effectLst>
+        </p:spPr>
+        <p:style>
+          <a:lnRef idx="3">
+            <a:schemeClr val="lt1"/>
+          </a:lnRef>
+          <a:fillRef idx="1">
+            <a:schemeClr val="accent1"/>
+          </a:fillRef>
+          <a:effectRef idx="1">
+            <a:schemeClr val="accent1"/>
+          </a:effectRef>
+          <a:fontRef idx="minor">
+            <a:schemeClr val="lt1"/>
+          </a:fontRef>
+        </p:style>
+        <p:txBody>
+          <a:bodyPr rtlCol="0" anchor="ctr"/>
+          <a:lstStyle/>
+          <a:p>
+            <a:pPr algn="ctr"/>
+            <a:r>
+              <a:rPr lang="it-IT" b="1" dirty="0">
+                <a:ln w="6600">
+                  <a:solidFill>
+                    <a:schemeClr val="accent2"/>
+                  </a:solidFill>
+                  <a:prstDash val="solid"/>
+                </a:ln>
+                <a:solidFill>
+                  <a:srgbClr val="FFFFFF"/>
+                </a:solidFill>
+                <a:effectLst>
+                  <a:outerShdw dist="38100" dir="2700000" algn="tl" rotWithShape="0">
+                    <a:schemeClr val="accent2"/>
+                  </a:outerShdw>
+                </a:effectLst>
+              </a:rPr>
+              <a:t>A TRUE STORY</a:t>
+            </a:r>
+          </a:p>
+        </p:txBody>
+      </p:sp>
     </p:spTree>
     <p:extLst>
       <p:ext uri="{BB962C8B-B14F-4D97-AF65-F5344CB8AC3E}">
@@ -49924,6 +50961,267 @@
   <p:clrMapOvr>
     <a:masterClrMapping/>
   </p:clrMapOvr>
+  <p:timing>
+    <p:tnLst>
+      <p:par>
+        <p:cTn id="1" dur="indefinite" restart="never" nodeType="tmRoot">
+          <p:childTnLst>
+            <p:seq concurrent="1" nextAc="seek">
+              <p:cTn id="2" dur="indefinite" nodeType="mainSeq">
+                <p:childTnLst>
+                  <p:par>
+                    <p:cTn id="3" fill="hold">
+                      <p:stCondLst>
+                        <p:cond delay="indefinite"/>
+                      </p:stCondLst>
+                      <p:childTnLst>
+                        <p:par>
+                          <p:cTn id="4" fill="hold">
+                            <p:stCondLst>
+                              <p:cond delay="0"/>
+                            </p:stCondLst>
+                            <p:childTnLst>
+                              <p:par>
+                                <p:cTn id="5" presetID="10" presetClass="entr" presetSubtype="0" fill="hold" nodeType="clickEffect">
+                                  <p:stCondLst>
+                                    <p:cond delay="0"/>
+                                  </p:stCondLst>
+                                  <p:childTnLst>
+                                    <p:set>
+                                      <p:cBhvr>
+                                        <p:cTn id="6" dur="1" fill="hold">
+                                          <p:stCondLst>
+                                            <p:cond delay="0"/>
+                                          </p:stCondLst>
+                                        </p:cTn>
+                                        <p:tgtEl>
+                                          <p:spTgt spid="30"/>
+                                        </p:tgtEl>
+                                        <p:attrNameLst>
+                                          <p:attrName>style.visibility</p:attrName>
+                                        </p:attrNameLst>
+                                      </p:cBhvr>
+                                      <p:to>
+                                        <p:strVal val="visible"/>
+                                      </p:to>
+                                    </p:set>
+                                    <p:animEffect transition="in" filter="fade">
+                                      <p:cBhvr>
+                                        <p:cTn id="7" dur="500"/>
+                                        <p:tgtEl>
+                                          <p:spTgt spid="30"/>
+                                        </p:tgtEl>
+                                      </p:cBhvr>
+                                    </p:animEffect>
+                                  </p:childTnLst>
+                                </p:cTn>
+                              </p:par>
+                              <p:par>
+                                <p:cTn id="8" presetID="10" presetClass="entr" presetSubtype="0" fill="hold" nodeType="withEffect">
+                                  <p:stCondLst>
+                                    <p:cond delay="0"/>
+                                  </p:stCondLst>
+                                  <p:childTnLst>
+                                    <p:set>
+                                      <p:cBhvr>
+                                        <p:cTn id="9" dur="1" fill="hold">
+                                          <p:stCondLst>
+                                            <p:cond delay="0"/>
+                                          </p:stCondLst>
+                                        </p:cTn>
+                                        <p:tgtEl>
+                                          <p:spTgt spid="31"/>
+                                        </p:tgtEl>
+                                        <p:attrNameLst>
+                                          <p:attrName>style.visibility</p:attrName>
+                                        </p:attrNameLst>
+                                      </p:cBhvr>
+                                      <p:to>
+                                        <p:strVal val="visible"/>
+                                      </p:to>
+                                    </p:set>
+                                    <p:animEffect transition="in" filter="fade">
+                                      <p:cBhvr>
+                                        <p:cTn id="10" dur="500"/>
+                                        <p:tgtEl>
+                                          <p:spTgt spid="31"/>
+                                        </p:tgtEl>
+                                      </p:cBhvr>
+                                    </p:animEffect>
+                                  </p:childTnLst>
+                                </p:cTn>
+                              </p:par>
+                              <p:par>
+                                <p:cTn id="11" presetID="10" presetClass="entr" presetSubtype="0" fill="hold" nodeType="withEffect">
+                                  <p:stCondLst>
+                                    <p:cond delay="0"/>
+                                  </p:stCondLst>
+                                  <p:childTnLst>
+                                    <p:set>
+                                      <p:cBhvr>
+                                        <p:cTn id="12" dur="1" fill="hold">
+                                          <p:stCondLst>
+                                            <p:cond delay="0"/>
+                                          </p:stCondLst>
+                                        </p:cTn>
+                                        <p:tgtEl>
+                                          <p:spTgt spid="28"/>
+                                        </p:tgtEl>
+                                        <p:attrNameLst>
+                                          <p:attrName>style.visibility</p:attrName>
+                                        </p:attrNameLst>
+                                      </p:cBhvr>
+                                      <p:to>
+                                        <p:strVal val="visible"/>
+                                      </p:to>
+                                    </p:set>
+                                    <p:animEffect transition="in" filter="fade">
+                                      <p:cBhvr>
+                                        <p:cTn id="13" dur="500"/>
+                                        <p:tgtEl>
+                                          <p:spTgt spid="28"/>
+                                        </p:tgtEl>
+                                      </p:cBhvr>
+                                    </p:animEffect>
+                                  </p:childTnLst>
+                                </p:cTn>
+                              </p:par>
+                              <p:par>
+                                <p:cTn id="14" presetID="10" presetClass="entr" presetSubtype="0" fill="hold" nodeType="withEffect">
+                                  <p:stCondLst>
+                                    <p:cond delay="0"/>
+                                  </p:stCondLst>
+                                  <p:childTnLst>
+                                    <p:set>
+                                      <p:cBhvr>
+                                        <p:cTn id="15" dur="1" fill="hold">
+                                          <p:stCondLst>
+                                            <p:cond delay="0"/>
+                                          </p:stCondLst>
+                                        </p:cTn>
+                                        <p:tgtEl>
+                                          <p:spTgt spid="27"/>
+                                        </p:tgtEl>
+                                        <p:attrNameLst>
+                                          <p:attrName>style.visibility</p:attrName>
+                                        </p:attrNameLst>
+                                      </p:cBhvr>
+                                      <p:to>
+                                        <p:strVal val="visible"/>
+                                      </p:to>
+                                    </p:set>
+                                    <p:animEffect transition="in" filter="fade">
+                                      <p:cBhvr>
+                                        <p:cTn id="16" dur="500"/>
+                                        <p:tgtEl>
+                                          <p:spTgt spid="27"/>
+                                        </p:tgtEl>
+                                      </p:cBhvr>
+                                    </p:animEffect>
+                                  </p:childTnLst>
+                                </p:cTn>
+                              </p:par>
+                              <p:par>
+                                <p:cTn id="17" presetID="10" presetClass="entr" presetSubtype="0" fill="hold" nodeType="withEffect">
+                                  <p:stCondLst>
+                                    <p:cond delay="0"/>
+                                  </p:stCondLst>
+                                  <p:childTnLst>
+                                    <p:set>
+                                      <p:cBhvr>
+                                        <p:cTn id="18" dur="1" fill="hold">
+                                          <p:stCondLst>
+                                            <p:cond delay="0"/>
+                                          </p:stCondLst>
+                                        </p:cTn>
+                                        <p:tgtEl>
+                                          <p:spTgt spid="23"/>
+                                        </p:tgtEl>
+                                        <p:attrNameLst>
+                                          <p:attrName>style.visibility</p:attrName>
+                                        </p:attrNameLst>
+                                      </p:cBhvr>
+                                      <p:to>
+                                        <p:strVal val="visible"/>
+                                      </p:to>
+                                    </p:set>
+                                    <p:animEffect transition="in" filter="fade">
+                                      <p:cBhvr>
+                                        <p:cTn id="19" dur="500"/>
+                                        <p:tgtEl>
+                                          <p:spTgt spid="23"/>
+                                        </p:tgtEl>
+                                      </p:cBhvr>
+                                    </p:animEffect>
+                                  </p:childTnLst>
+                                </p:cTn>
+                              </p:par>
+                              <p:par>
+                                <p:cTn id="20" presetID="10" presetClass="entr" presetSubtype="0" fill="hold" grpId="0" nodeType="withEffect">
+                                  <p:stCondLst>
+                                    <p:cond delay="0"/>
+                                  </p:stCondLst>
+                                  <p:childTnLst>
+                                    <p:set>
+                                      <p:cBhvr>
+                                        <p:cTn id="21" dur="1" fill="hold">
+                                          <p:stCondLst>
+                                            <p:cond delay="0"/>
+                                          </p:stCondLst>
+                                        </p:cTn>
+                                        <p:tgtEl>
+                                          <p:spTgt spid="26"/>
+                                        </p:tgtEl>
+                                        <p:attrNameLst>
+                                          <p:attrName>style.visibility</p:attrName>
+                                        </p:attrNameLst>
+                                      </p:cBhvr>
+                                      <p:to>
+                                        <p:strVal val="visible"/>
+                                      </p:to>
+                                    </p:set>
+                                    <p:animEffect transition="in" filter="fade">
+                                      <p:cBhvr>
+                                        <p:cTn id="22" dur="500"/>
+                                        <p:tgtEl>
+                                          <p:spTgt spid="26"/>
+                                        </p:tgtEl>
+                                      </p:cBhvr>
+                                    </p:animEffect>
+                                  </p:childTnLst>
+                                </p:cTn>
+                              </p:par>
+                            </p:childTnLst>
+                          </p:cTn>
+                        </p:par>
+                      </p:childTnLst>
+                    </p:cTn>
+                  </p:par>
+                </p:childTnLst>
+              </p:cTn>
+              <p:prevCondLst>
+                <p:cond evt="onPrev" delay="0">
+                  <p:tgtEl>
+                    <p:sldTgt/>
+                  </p:tgtEl>
+                </p:cond>
+              </p:prevCondLst>
+              <p:nextCondLst>
+                <p:cond evt="onNext" delay="0">
+                  <p:tgtEl>
+                    <p:sldTgt/>
+                  </p:tgtEl>
+                </p:cond>
+              </p:nextCondLst>
+            </p:seq>
+          </p:childTnLst>
+        </p:cTn>
+      </p:par>
+    </p:tnLst>
+    <p:bldLst>
+      <p:bldP spid="26" grpId="0" animBg="1"/>
+    </p:bldLst>
+  </p:timing>
 </p:sld>
 </file>
 
@@ -49970,53 +51268,6 @@
               <a:t>once.upon.a.time</a:t>
             </a:r>
             <a:endParaRPr lang="it-IT" dirty="0"/>
-          </a:p>
-        </p:txBody>
-      </p:sp>
-      <p:sp>
-        <p:nvSpPr>
-          <p:cNvPr id="4" name="Stella a 10 punte 3">
-            <a:extLst>
-              <a:ext uri="{FF2B5EF4-FFF2-40B4-BE49-F238E27FC236}">
-                <a16:creationId xmlns:a16="http://schemas.microsoft.com/office/drawing/2014/main" id="{FA17C962-8ABB-48A3-99ED-F3BF85073F0E}"/>
-              </a:ext>
-            </a:extLst>
-          </p:cNvPr>
-          <p:cNvSpPr/>
-          <p:nvPr/>
-        </p:nvSpPr>
-        <p:spPr>
-          <a:xfrm rot="900000">
-            <a:off x="10594073" y="56119"/>
-            <a:ext cx="1481541" cy="1481541"/>
-          </a:xfrm>
-          <a:prstGeom prst="star10">
-            <a:avLst/>
-          </a:prstGeom>
-        </p:spPr>
-        <p:style>
-          <a:lnRef idx="3">
-            <a:schemeClr val="lt1"/>
-          </a:lnRef>
-          <a:fillRef idx="1">
-            <a:schemeClr val="accent2"/>
-          </a:fillRef>
-          <a:effectRef idx="1">
-            <a:schemeClr val="accent2"/>
-          </a:effectRef>
-          <a:fontRef idx="minor">
-            <a:schemeClr val="lt1"/>
-          </a:fontRef>
-        </p:style>
-        <p:txBody>
-          <a:bodyPr rtlCol="0" anchor="ctr"/>
-          <a:lstStyle/>
-          <a:p>
-            <a:pPr algn="ctr"/>
-            <a:r>
-              <a:rPr lang="it-IT" dirty="0"/>
-              <a:t>A TRUE STORY</a:t>
-            </a:r>
           </a:p>
         </p:txBody>
       </p:sp>
@@ -52254,6 +53505,75 @@
           </a:p>
         </p:txBody>
       </p:sp>
+      <p:sp>
+        <p:nvSpPr>
+          <p:cNvPr id="54" name="Stella a 10 punte 53">
+            <a:extLst>
+              <a:ext uri="{FF2B5EF4-FFF2-40B4-BE49-F238E27FC236}">
+                <a16:creationId xmlns:a16="http://schemas.microsoft.com/office/drawing/2014/main" id="{F3A720BB-31FB-44BA-B3D6-3D4C5369B8DA}"/>
+              </a:ext>
+            </a:extLst>
+          </p:cNvPr>
+          <p:cNvSpPr/>
+          <p:nvPr/>
+        </p:nvSpPr>
+        <p:spPr>
+          <a:xfrm rot="21089863">
+            <a:off x="303088" y="5222177"/>
+            <a:ext cx="1587348" cy="1587346"/>
+          </a:xfrm>
+          <a:prstGeom prst="star10">
+            <a:avLst/>
+          </a:prstGeom>
+          <a:effectLst>
+            <a:outerShdw blurRad="50800" dist="38100" dir="5400000" algn="t" rotWithShape="0">
+              <a:prstClr val="black">
+                <a:alpha val="40000"/>
+              </a:prstClr>
+            </a:outerShdw>
+          </a:effectLst>
+        </p:spPr>
+        <p:style>
+          <a:lnRef idx="3">
+            <a:schemeClr val="lt1"/>
+          </a:lnRef>
+          <a:fillRef idx="1">
+            <a:schemeClr val="accent1"/>
+          </a:fillRef>
+          <a:effectRef idx="1">
+            <a:schemeClr val="accent1"/>
+          </a:effectRef>
+          <a:fontRef idx="minor">
+            <a:schemeClr val="lt1"/>
+          </a:fontRef>
+        </p:style>
+        <p:txBody>
+          <a:bodyPr rtlCol="0" anchor="ctr"/>
+          <a:lstStyle/>
+          <a:p>
+            <a:pPr algn="ctr"/>
+            <a:r>
+              <a:rPr lang="it-IT" b="1" dirty="0">
+                <a:ln w="6600">
+                  <a:solidFill>
+                    <a:schemeClr val="accent2"/>
+                  </a:solidFill>
+                  <a:prstDash val="solid"/>
+                </a:ln>
+                <a:solidFill>
+                  <a:srgbClr val="FFFFFF"/>
+                </a:solidFill>
+                <a:effectLst>
+                  <a:outerShdw dist="38100" dir="2700000" algn="tl" rotWithShape="0">
+                    <a:schemeClr val="accent2"/>
+                  </a:outerShdw>
+                </a:effectLst>
+              </a:rPr>
+              <a:t>A TRUE STORY</a:t>
+            </a:r>
+          </a:p>
+        </p:txBody>
+      </p:sp>
     </p:spTree>
     <p:extLst>
       <p:ext uri="{BB962C8B-B14F-4D97-AF65-F5344CB8AC3E}">
@@ -52264,6 +53584,572 @@
   <p:clrMapOvr>
     <a:masterClrMapping/>
   </p:clrMapOvr>
+  <p:timing>
+    <p:tnLst>
+      <p:par>
+        <p:cTn id="1" dur="indefinite" restart="never" nodeType="tmRoot">
+          <p:childTnLst>
+            <p:seq concurrent="1" nextAc="seek">
+              <p:cTn id="2" dur="indefinite" nodeType="mainSeq">
+                <p:childTnLst>
+                  <p:par>
+                    <p:cTn id="3" fill="hold">
+                      <p:stCondLst>
+                        <p:cond delay="indefinite"/>
+                      </p:stCondLst>
+                      <p:childTnLst>
+                        <p:par>
+                          <p:cTn id="4" fill="hold">
+                            <p:stCondLst>
+                              <p:cond delay="0"/>
+                            </p:stCondLst>
+                            <p:childTnLst>
+                              <p:par>
+                                <p:cTn id="5" presetID="10" presetClass="entr" presetSubtype="0" fill="hold" nodeType="clickEffect">
+                                  <p:stCondLst>
+                                    <p:cond delay="0"/>
+                                  </p:stCondLst>
+                                  <p:childTnLst>
+                                    <p:set>
+                                      <p:cBhvr>
+                                        <p:cTn id="6" dur="1" fill="hold">
+                                          <p:stCondLst>
+                                            <p:cond delay="0"/>
+                                          </p:stCondLst>
+                                        </p:cTn>
+                                        <p:tgtEl>
+                                          <p:spTgt spid="35"/>
+                                        </p:tgtEl>
+                                        <p:attrNameLst>
+                                          <p:attrName>style.visibility</p:attrName>
+                                        </p:attrNameLst>
+                                      </p:cBhvr>
+                                      <p:to>
+                                        <p:strVal val="visible"/>
+                                      </p:to>
+                                    </p:set>
+                                    <p:animEffect transition="in" filter="fade">
+                                      <p:cBhvr>
+                                        <p:cTn id="7" dur="500"/>
+                                        <p:tgtEl>
+                                          <p:spTgt spid="35"/>
+                                        </p:tgtEl>
+                                      </p:cBhvr>
+                                    </p:animEffect>
+                                  </p:childTnLst>
+                                </p:cTn>
+                              </p:par>
+                              <p:par>
+                                <p:cTn id="8" presetID="10" presetClass="entr" presetSubtype="0" fill="hold" nodeType="withEffect">
+                                  <p:stCondLst>
+                                    <p:cond delay="0"/>
+                                  </p:stCondLst>
+                                  <p:childTnLst>
+                                    <p:set>
+                                      <p:cBhvr>
+                                        <p:cTn id="9" dur="1" fill="hold">
+                                          <p:stCondLst>
+                                            <p:cond delay="0"/>
+                                          </p:stCondLst>
+                                        </p:cTn>
+                                        <p:tgtEl>
+                                          <p:spTgt spid="34"/>
+                                        </p:tgtEl>
+                                        <p:attrNameLst>
+                                          <p:attrName>style.visibility</p:attrName>
+                                        </p:attrNameLst>
+                                      </p:cBhvr>
+                                      <p:to>
+                                        <p:strVal val="visible"/>
+                                      </p:to>
+                                    </p:set>
+                                    <p:animEffect transition="in" filter="fade">
+                                      <p:cBhvr>
+                                        <p:cTn id="10" dur="500"/>
+                                        <p:tgtEl>
+                                          <p:spTgt spid="34"/>
+                                        </p:tgtEl>
+                                      </p:cBhvr>
+                                    </p:animEffect>
+                                  </p:childTnLst>
+                                </p:cTn>
+                              </p:par>
+                              <p:par>
+                                <p:cTn id="11" presetID="10" presetClass="entr" presetSubtype="0" fill="hold" nodeType="withEffect">
+                                  <p:stCondLst>
+                                    <p:cond delay="0"/>
+                                  </p:stCondLst>
+                                  <p:childTnLst>
+                                    <p:set>
+                                      <p:cBhvr>
+                                        <p:cTn id="12" dur="1" fill="hold">
+                                          <p:stCondLst>
+                                            <p:cond delay="0"/>
+                                          </p:stCondLst>
+                                        </p:cTn>
+                                        <p:tgtEl>
+                                          <p:spTgt spid="29"/>
+                                        </p:tgtEl>
+                                        <p:attrNameLst>
+                                          <p:attrName>style.visibility</p:attrName>
+                                        </p:attrNameLst>
+                                      </p:cBhvr>
+                                      <p:to>
+                                        <p:strVal val="visible"/>
+                                      </p:to>
+                                    </p:set>
+                                    <p:animEffect transition="in" filter="fade">
+                                      <p:cBhvr>
+                                        <p:cTn id="13" dur="500"/>
+                                        <p:tgtEl>
+                                          <p:spTgt spid="29"/>
+                                        </p:tgtEl>
+                                      </p:cBhvr>
+                                    </p:animEffect>
+                                  </p:childTnLst>
+                                </p:cTn>
+                              </p:par>
+                              <p:par>
+                                <p:cTn id="14" presetID="10" presetClass="entr" presetSubtype="0" fill="hold" grpId="0" nodeType="withEffect">
+                                  <p:stCondLst>
+                                    <p:cond delay="0"/>
+                                  </p:stCondLst>
+                                  <p:childTnLst>
+                                    <p:set>
+                                      <p:cBhvr>
+                                        <p:cTn id="15" dur="1" fill="hold">
+                                          <p:stCondLst>
+                                            <p:cond delay="0"/>
+                                          </p:stCondLst>
+                                        </p:cTn>
+                                        <p:tgtEl>
+                                          <p:spTgt spid="32"/>
+                                        </p:tgtEl>
+                                        <p:attrNameLst>
+                                          <p:attrName>style.visibility</p:attrName>
+                                        </p:attrNameLst>
+                                      </p:cBhvr>
+                                      <p:to>
+                                        <p:strVal val="visible"/>
+                                      </p:to>
+                                    </p:set>
+                                    <p:animEffect transition="in" filter="fade">
+                                      <p:cBhvr>
+                                        <p:cTn id="16" dur="500"/>
+                                        <p:tgtEl>
+                                          <p:spTgt spid="32"/>
+                                        </p:tgtEl>
+                                      </p:cBhvr>
+                                    </p:animEffect>
+                                  </p:childTnLst>
+                                </p:cTn>
+                              </p:par>
+                            </p:childTnLst>
+                          </p:cTn>
+                        </p:par>
+                      </p:childTnLst>
+                    </p:cTn>
+                  </p:par>
+                  <p:par>
+                    <p:cTn id="17" fill="hold">
+                      <p:stCondLst>
+                        <p:cond delay="indefinite"/>
+                      </p:stCondLst>
+                      <p:childTnLst>
+                        <p:par>
+                          <p:cTn id="18" fill="hold">
+                            <p:stCondLst>
+                              <p:cond delay="0"/>
+                            </p:stCondLst>
+                            <p:childTnLst>
+                              <p:par>
+                                <p:cTn id="19" presetID="10" presetClass="entr" presetSubtype="0" fill="hold" grpId="0" nodeType="clickEffect">
+                                  <p:stCondLst>
+                                    <p:cond delay="0"/>
+                                  </p:stCondLst>
+                                  <p:childTnLst>
+                                    <p:set>
+                                      <p:cBhvr>
+                                        <p:cTn id="20" dur="1" fill="hold">
+                                          <p:stCondLst>
+                                            <p:cond delay="0"/>
+                                          </p:stCondLst>
+                                        </p:cTn>
+                                        <p:tgtEl>
+                                          <p:spTgt spid="33"/>
+                                        </p:tgtEl>
+                                        <p:attrNameLst>
+                                          <p:attrName>style.visibility</p:attrName>
+                                        </p:attrNameLst>
+                                      </p:cBhvr>
+                                      <p:to>
+                                        <p:strVal val="visible"/>
+                                      </p:to>
+                                    </p:set>
+                                    <p:animEffect transition="in" filter="fade">
+                                      <p:cBhvr>
+                                        <p:cTn id="21" dur="500"/>
+                                        <p:tgtEl>
+                                          <p:spTgt spid="33"/>
+                                        </p:tgtEl>
+                                      </p:cBhvr>
+                                    </p:animEffect>
+                                  </p:childTnLst>
+                                </p:cTn>
+                              </p:par>
+                            </p:childTnLst>
+                          </p:cTn>
+                        </p:par>
+                      </p:childTnLst>
+                    </p:cTn>
+                  </p:par>
+                  <p:par>
+                    <p:cTn id="22" fill="hold">
+                      <p:stCondLst>
+                        <p:cond delay="indefinite"/>
+                      </p:stCondLst>
+                      <p:childTnLst>
+                        <p:par>
+                          <p:cTn id="23" fill="hold">
+                            <p:stCondLst>
+                              <p:cond delay="0"/>
+                            </p:stCondLst>
+                            <p:childTnLst>
+                              <p:par>
+                                <p:cTn id="24" presetID="10" presetClass="entr" presetSubtype="0" fill="hold" nodeType="clickEffect">
+                                  <p:stCondLst>
+                                    <p:cond delay="0"/>
+                                  </p:stCondLst>
+                                  <p:childTnLst>
+                                    <p:set>
+                                      <p:cBhvr>
+                                        <p:cTn id="25" dur="1" fill="hold">
+                                          <p:stCondLst>
+                                            <p:cond delay="0"/>
+                                          </p:stCondLst>
+                                        </p:cTn>
+                                        <p:tgtEl>
+                                          <p:spTgt spid="48"/>
+                                        </p:tgtEl>
+                                        <p:attrNameLst>
+                                          <p:attrName>style.visibility</p:attrName>
+                                        </p:attrNameLst>
+                                      </p:cBhvr>
+                                      <p:to>
+                                        <p:strVal val="visible"/>
+                                      </p:to>
+                                    </p:set>
+                                    <p:animEffect transition="in" filter="fade">
+                                      <p:cBhvr>
+                                        <p:cTn id="26" dur="500"/>
+                                        <p:tgtEl>
+                                          <p:spTgt spid="48"/>
+                                        </p:tgtEl>
+                                      </p:cBhvr>
+                                    </p:animEffect>
+                                  </p:childTnLst>
+                                </p:cTn>
+                              </p:par>
+                            </p:childTnLst>
+                          </p:cTn>
+                        </p:par>
+                      </p:childTnLst>
+                    </p:cTn>
+                  </p:par>
+                  <p:par>
+                    <p:cTn id="27" fill="hold">
+                      <p:stCondLst>
+                        <p:cond delay="indefinite"/>
+                      </p:stCondLst>
+                      <p:childTnLst>
+                        <p:par>
+                          <p:cTn id="28" fill="hold">
+                            <p:stCondLst>
+                              <p:cond delay="0"/>
+                            </p:stCondLst>
+                            <p:childTnLst>
+                              <p:par>
+                                <p:cTn id="29" presetID="10" presetClass="entr" presetSubtype="0" fill="hold" grpId="0" nodeType="clickEffect">
+                                  <p:stCondLst>
+                                    <p:cond delay="0"/>
+                                  </p:stCondLst>
+                                  <p:childTnLst>
+                                    <p:set>
+                                      <p:cBhvr>
+                                        <p:cTn id="30" dur="1" fill="hold">
+                                          <p:stCondLst>
+                                            <p:cond delay="0"/>
+                                          </p:stCondLst>
+                                        </p:cTn>
+                                        <p:tgtEl>
+                                          <p:spTgt spid="51"/>
+                                        </p:tgtEl>
+                                        <p:attrNameLst>
+                                          <p:attrName>style.visibility</p:attrName>
+                                        </p:attrNameLst>
+                                      </p:cBhvr>
+                                      <p:to>
+                                        <p:strVal val="visible"/>
+                                      </p:to>
+                                    </p:set>
+                                    <p:animEffect transition="in" filter="fade">
+                                      <p:cBhvr>
+                                        <p:cTn id="31" dur="500"/>
+                                        <p:tgtEl>
+                                          <p:spTgt spid="51"/>
+                                        </p:tgtEl>
+                                      </p:cBhvr>
+                                    </p:animEffect>
+                                  </p:childTnLst>
+                                </p:cTn>
+                              </p:par>
+                            </p:childTnLst>
+                          </p:cTn>
+                        </p:par>
+                      </p:childTnLst>
+                    </p:cTn>
+                  </p:par>
+                  <p:par>
+                    <p:cTn id="32" fill="hold">
+                      <p:stCondLst>
+                        <p:cond delay="indefinite"/>
+                      </p:stCondLst>
+                      <p:childTnLst>
+                        <p:par>
+                          <p:cTn id="33" fill="hold">
+                            <p:stCondLst>
+                              <p:cond delay="0"/>
+                            </p:stCondLst>
+                            <p:childTnLst>
+                              <p:par>
+                                <p:cTn id="34" presetID="10" presetClass="entr" presetSubtype="0" fill="hold" grpId="0" nodeType="clickEffect">
+                                  <p:stCondLst>
+                                    <p:cond delay="0"/>
+                                  </p:stCondLst>
+                                  <p:childTnLst>
+                                    <p:set>
+                                      <p:cBhvr>
+                                        <p:cTn id="35" dur="1" fill="hold">
+                                          <p:stCondLst>
+                                            <p:cond delay="0"/>
+                                          </p:stCondLst>
+                                        </p:cTn>
+                                        <p:tgtEl>
+                                          <p:spTgt spid="47"/>
+                                        </p:tgtEl>
+                                        <p:attrNameLst>
+                                          <p:attrName>style.visibility</p:attrName>
+                                        </p:attrNameLst>
+                                      </p:cBhvr>
+                                      <p:to>
+                                        <p:strVal val="visible"/>
+                                      </p:to>
+                                    </p:set>
+                                    <p:animEffect transition="in" filter="fade">
+                                      <p:cBhvr>
+                                        <p:cTn id="36" dur="500"/>
+                                        <p:tgtEl>
+                                          <p:spTgt spid="47"/>
+                                        </p:tgtEl>
+                                      </p:cBhvr>
+                                    </p:animEffect>
+                                  </p:childTnLst>
+                                </p:cTn>
+                              </p:par>
+                              <p:par>
+                                <p:cTn id="37" presetID="10" presetClass="entr" presetSubtype="0" fill="hold" nodeType="withEffect">
+                                  <p:stCondLst>
+                                    <p:cond delay="0"/>
+                                  </p:stCondLst>
+                                  <p:childTnLst>
+                                    <p:set>
+                                      <p:cBhvr>
+                                        <p:cTn id="38" dur="1" fill="hold">
+                                          <p:stCondLst>
+                                            <p:cond delay="0"/>
+                                          </p:stCondLst>
+                                        </p:cTn>
+                                        <p:tgtEl>
+                                          <p:spTgt spid="36"/>
+                                        </p:tgtEl>
+                                        <p:attrNameLst>
+                                          <p:attrName>style.visibility</p:attrName>
+                                        </p:attrNameLst>
+                                      </p:cBhvr>
+                                      <p:to>
+                                        <p:strVal val="visible"/>
+                                      </p:to>
+                                    </p:set>
+                                    <p:animEffect transition="in" filter="fade">
+                                      <p:cBhvr>
+                                        <p:cTn id="39" dur="500"/>
+                                        <p:tgtEl>
+                                          <p:spTgt spid="36"/>
+                                        </p:tgtEl>
+                                      </p:cBhvr>
+                                    </p:animEffect>
+                                  </p:childTnLst>
+                                </p:cTn>
+                              </p:par>
+                              <p:par>
+                                <p:cTn id="40" presetID="10" presetClass="entr" presetSubtype="0" fill="hold" grpId="0" nodeType="withEffect">
+                                  <p:stCondLst>
+                                    <p:cond delay="0"/>
+                                  </p:stCondLst>
+                                  <p:childTnLst>
+                                    <p:set>
+                                      <p:cBhvr>
+                                        <p:cTn id="41" dur="1" fill="hold">
+                                          <p:stCondLst>
+                                            <p:cond delay="0"/>
+                                          </p:stCondLst>
+                                        </p:cTn>
+                                        <p:tgtEl>
+                                          <p:spTgt spid="46"/>
+                                        </p:tgtEl>
+                                        <p:attrNameLst>
+                                          <p:attrName>style.visibility</p:attrName>
+                                        </p:attrNameLst>
+                                      </p:cBhvr>
+                                      <p:to>
+                                        <p:strVal val="visible"/>
+                                      </p:to>
+                                    </p:set>
+                                    <p:animEffect transition="in" filter="fade">
+                                      <p:cBhvr>
+                                        <p:cTn id="42" dur="500"/>
+                                        <p:tgtEl>
+                                          <p:spTgt spid="46"/>
+                                        </p:tgtEl>
+                                      </p:cBhvr>
+                                    </p:animEffect>
+                                  </p:childTnLst>
+                                </p:cTn>
+                              </p:par>
+                              <p:par>
+                                <p:cTn id="43" presetID="10" presetClass="entr" presetSubtype="0" fill="hold" nodeType="withEffect">
+                                  <p:stCondLst>
+                                    <p:cond delay="0"/>
+                                  </p:stCondLst>
+                                  <p:childTnLst>
+                                    <p:set>
+                                      <p:cBhvr>
+                                        <p:cTn id="44" dur="1" fill="hold">
+                                          <p:stCondLst>
+                                            <p:cond delay="0"/>
+                                          </p:stCondLst>
+                                        </p:cTn>
+                                        <p:tgtEl>
+                                          <p:spTgt spid="43"/>
+                                        </p:tgtEl>
+                                        <p:attrNameLst>
+                                          <p:attrName>style.visibility</p:attrName>
+                                        </p:attrNameLst>
+                                      </p:cBhvr>
+                                      <p:to>
+                                        <p:strVal val="visible"/>
+                                      </p:to>
+                                    </p:set>
+                                    <p:animEffect transition="in" filter="fade">
+                                      <p:cBhvr>
+                                        <p:cTn id="45" dur="500"/>
+                                        <p:tgtEl>
+                                          <p:spTgt spid="43"/>
+                                        </p:tgtEl>
+                                      </p:cBhvr>
+                                    </p:animEffect>
+                                  </p:childTnLst>
+                                </p:cTn>
+                              </p:par>
+                            </p:childTnLst>
+                          </p:cTn>
+                        </p:par>
+                      </p:childTnLst>
+                    </p:cTn>
+                  </p:par>
+                  <p:par>
+                    <p:cTn id="46" fill="hold">
+                      <p:stCondLst>
+                        <p:cond delay="indefinite"/>
+                      </p:stCondLst>
+                      <p:childTnLst>
+                        <p:par>
+                          <p:cTn id="47" fill="hold">
+                            <p:stCondLst>
+                              <p:cond delay="0"/>
+                            </p:stCondLst>
+                            <p:childTnLst>
+                              <p:par>
+                                <p:cTn id="48" presetID="10" presetClass="entr" presetSubtype="0" fill="hold" grpId="0" nodeType="clickEffect">
+                                  <p:stCondLst>
+                                    <p:cond delay="0"/>
+                                  </p:stCondLst>
+                                  <p:childTnLst>
+                                    <p:set>
+                                      <p:cBhvr>
+                                        <p:cTn id="49" dur="1" fill="hold">
+                                          <p:stCondLst>
+                                            <p:cond delay="0"/>
+                                          </p:stCondLst>
+                                        </p:cTn>
+                                        <p:tgtEl>
+                                          <p:spTgt spid="52"/>
+                                        </p:tgtEl>
+                                        <p:attrNameLst>
+                                          <p:attrName>style.visibility</p:attrName>
+                                        </p:attrNameLst>
+                                      </p:cBhvr>
+                                      <p:to>
+                                        <p:strVal val="visible"/>
+                                      </p:to>
+                                    </p:set>
+                                    <p:animEffect transition="in" filter="fade">
+                                      <p:cBhvr>
+                                        <p:cTn id="50" dur="500"/>
+                                        <p:tgtEl>
+                                          <p:spTgt spid="52"/>
+                                        </p:tgtEl>
+                                      </p:cBhvr>
+                                    </p:animEffect>
+                                  </p:childTnLst>
+                                </p:cTn>
+                              </p:par>
+                            </p:childTnLst>
+                          </p:cTn>
+                        </p:par>
+                      </p:childTnLst>
+                    </p:cTn>
+                  </p:par>
+                </p:childTnLst>
+              </p:cTn>
+              <p:prevCondLst>
+                <p:cond evt="onPrev" delay="0">
+                  <p:tgtEl>
+                    <p:sldTgt/>
+                  </p:tgtEl>
+                </p:cond>
+              </p:prevCondLst>
+              <p:nextCondLst>
+                <p:cond evt="onNext" delay="0">
+                  <p:tgtEl>
+                    <p:sldTgt/>
+                  </p:tgtEl>
+                </p:cond>
+              </p:nextCondLst>
+            </p:seq>
+          </p:childTnLst>
+        </p:cTn>
+      </p:par>
+    </p:tnLst>
+    <p:bldLst>
+      <p:bldP spid="32" grpId="0" animBg="1"/>
+      <p:bldP spid="33" grpId="0" animBg="1"/>
+      <p:bldP spid="46" grpId="0" animBg="1"/>
+      <p:bldP spid="47" grpId="0" animBg="1"/>
+      <p:bldP spid="51" grpId="0" animBg="1"/>
+      <p:bldP spid="52" grpId="0" animBg="1"/>
+    </p:bldLst>
+  </p:timing>
 </p:sld>
 </file>
 
@@ -52284,6 +54170,75 @@
           <a:chExt cx="0" cy="0"/>
         </a:xfrm>
       </p:grpSpPr>
+      <p:sp>
+        <p:nvSpPr>
+          <p:cNvPr id="60" name="Stella a 10 punte 59">
+            <a:extLst>
+              <a:ext uri="{FF2B5EF4-FFF2-40B4-BE49-F238E27FC236}">
+                <a16:creationId xmlns:a16="http://schemas.microsoft.com/office/drawing/2014/main" id="{4D0D47D0-0E29-4564-AFC3-BF61320C7F30}"/>
+              </a:ext>
+            </a:extLst>
+          </p:cNvPr>
+          <p:cNvSpPr/>
+          <p:nvPr/>
+        </p:nvSpPr>
+        <p:spPr>
+          <a:xfrm rot="21089863">
+            <a:off x="303088" y="5222177"/>
+            <a:ext cx="1587348" cy="1587346"/>
+          </a:xfrm>
+          <a:prstGeom prst="star10">
+            <a:avLst/>
+          </a:prstGeom>
+          <a:effectLst>
+            <a:outerShdw blurRad="50800" dist="38100" dir="5400000" algn="t" rotWithShape="0">
+              <a:prstClr val="black">
+                <a:alpha val="40000"/>
+              </a:prstClr>
+            </a:outerShdw>
+          </a:effectLst>
+        </p:spPr>
+        <p:style>
+          <a:lnRef idx="3">
+            <a:schemeClr val="lt1"/>
+          </a:lnRef>
+          <a:fillRef idx="1">
+            <a:schemeClr val="accent1"/>
+          </a:fillRef>
+          <a:effectRef idx="1">
+            <a:schemeClr val="accent1"/>
+          </a:effectRef>
+          <a:fontRef idx="minor">
+            <a:schemeClr val="lt1"/>
+          </a:fontRef>
+        </p:style>
+        <p:txBody>
+          <a:bodyPr rtlCol="0" anchor="ctr"/>
+          <a:lstStyle/>
+          <a:p>
+            <a:pPr algn="ctr"/>
+            <a:r>
+              <a:rPr lang="it-IT" b="1" dirty="0">
+                <a:ln w="6600">
+                  <a:solidFill>
+                    <a:schemeClr val="accent2"/>
+                  </a:solidFill>
+                  <a:prstDash val="solid"/>
+                </a:ln>
+                <a:solidFill>
+                  <a:srgbClr val="FFFFFF"/>
+                </a:solidFill>
+                <a:effectLst>
+                  <a:outerShdw dist="38100" dir="2700000" algn="tl" rotWithShape="0">
+                    <a:schemeClr val="accent2"/>
+                  </a:outerShdw>
+                </a:effectLst>
+              </a:rPr>
+              <a:t>A TRUE STORY</a:t>
+            </a:r>
+          </a:p>
+        </p:txBody>
+      </p:sp>
       <p:sp>
         <p:nvSpPr>
           <p:cNvPr id="2" name="Titolo 1">
@@ -52310,53 +54265,6 @@
               <a:t>once.upon.a.time</a:t>
             </a:r>
             <a:endParaRPr lang="it-IT" dirty="0"/>
-          </a:p>
-        </p:txBody>
-      </p:sp>
-      <p:sp>
-        <p:nvSpPr>
-          <p:cNvPr id="4" name="Stella a 10 punte 3">
-            <a:extLst>
-              <a:ext uri="{FF2B5EF4-FFF2-40B4-BE49-F238E27FC236}">
-                <a16:creationId xmlns:a16="http://schemas.microsoft.com/office/drawing/2014/main" id="{FA17C962-8ABB-48A3-99ED-F3BF85073F0E}"/>
-              </a:ext>
-            </a:extLst>
-          </p:cNvPr>
-          <p:cNvSpPr/>
-          <p:nvPr/>
-        </p:nvSpPr>
-        <p:spPr>
-          <a:xfrm rot="900000">
-            <a:off x="10594073" y="56119"/>
-            <a:ext cx="1481541" cy="1481541"/>
-          </a:xfrm>
-          <a:prstGeom prst="star10">
-            <a:avLst/>
-          </a:prstGeom>
-        </p:spPr>
-        <p:style>
-          <a:lnRef idx="3">
-            <a:schemeClr val="lt1"/>
-          </a:lnRef>
-          <a:fillRef idx="1">
-            <a:schemeClr val="accent2"/>
-          </a:fillRef>
-          <a:effectRef idx="1">
-            <a:schemeClr val="accent2"/>
-          </a:effectRef>
-          <a:fontRef idx="minor">
-            <a:schemeClr val="lt1"/>
-          </a:fontRef>
-        </p:style>
-        <p:txBody>
-          <a:bodyPr rtlCol="0" anchor="ctr"/>
-          <a:lstStyle/>
-          <a:p>
-            <a:pPr algn="ctr"/>
-            <a:r>
-              <a:rPr lang="it-IT" dirty="0"/>
-              <a:t>A TRUE STORY</a:t>
-            </a:r>
           </a:p>
         </p:txBody>
       </p:sp>
@@ -55852,97 +57760,14 @@
                             </p:stCondLst>
                             <p:childTnLst>
                               <p:par>
-                                <p:cTn id="47" presetID="27" presetClass="emph" presetSubtype="0" fill="remove" grpId="0" nodeType="clickEffect">
-                                  <p:stCondLst>
-                                    <p:cond delay="0"/>
-                                  </p:stCondLst>
-                                  <p:childTnLst>
-                                    <p:animClr clrSpc="rgb" dir="cw">
-                                      <p:cBhvr override="childStyle">
-                                        <p:cTn id="48" dur="250" autoRev="1" fill="remove"/>
-                                        <p:tgtEl>
-                                          <p:spTgt spid="4"/>
-                                        </p:tgtEl>
-                                        <p:attrNameLst>
-                                          <p:attrName>style.color</p:attrName>
-                                        </p:attrNameLst>
-                                      </p:cBhvr>
-                                      <p:to>
-                                        <a:schemeClr val="bg1"/>
-                                      </p:to>
-                                    </p:animClr>
-                                    <p:animClr clrSpc="rgb" dir="cw">
-                                      <p:cBhvr>
-                                        <p:cTn id="49" dur="250" autoRev="1" fill="remove"/>
-                                        <p:tgtEl>
-                                          <p:spTgt spid="4"/>
-                                        </p:tgtEl>
-                                        <p:attrNameLst>
-                                          <p:attrName>fillcolor</p:attrName>
-                                        </p:attrNameLst>
-                                      </p:cBhvr>
-                                      <p:to>
-                                        <a:schemeClr val="bg1"/>
-                                      </p:to>
-                                    </p:animClr>
-                                    <p:set>
-                                      <p:cBhvr>
-                                        <p:cTn id="50" dur="250" autoRev="1" fill="remove"/>
-                                        <p:tgtEl>
-                                          <p:spTgt spid="4"/>
-                                        </p:tgtEl>
-                                        <p:attrNameLst>
-                                          <p:attrName>fill.type</p:attrName>
-                                        </p:attrNameLst>
-                                      </p:cBhvr>
-                                      <p:to>
-                                        <p:strVal val="solid"/>
-                                      </p:to>
-                                    </p:set>
-                                    <p:set>
-                                      <p:cBhvr>
-                                        <p:cTn id="51" dur="250" autoRev="1" fill="remove"/>
-                                        <p:tgtEl>
-                                          <p:spTgt spid="4"/>
-                                        </p:tgtEl>
-                                        <p:attrNameLst>
-                                          <p:attrName>fill.on</p:attrName>
-                                        </p:attrNameLst>
-                                      </p:cBhvr>
-                                      <p:to>
-                                        <p:strVal val="true"/>
-                                      </p:to>
-                                    </p:set>
-                                  </p:childTnLst>
-                                </p:cTn>
-                              </p:par>
-                            </p:childTnLst>
-                          </p:cTn>
-                        </p:par>
-                      </p:childTnLst>
-                    </p:cTn>
-                  </p:par>
-                  <p:par>
-                    <p:cTn id="52" fill="hold">
-                      <p:stCondLst>
-                        <p:cond delay="indefinite"/>
-                      </p:stCondLst>
-                      <p:childTnLst>
-                        <p:par>
-                          <p:cTn id="53" fill="hold">
-                            <p:stCondLst>
-                              <p:cond delay="0"/>
-                            </p:stCondLst>
-                            <p:childTnLst>
-                              <p:par>
-                                <p:cTn id="54" presetID="53" presetClass="entr" presetSubtype="16" fill="hold" grpId="0" nodeType="clickEffect">
+                                <p:cTn id="47" presetID="53" presetClass="entr" presetSubtype="16" fill="hold" grpId="0" nodeType="clickEffect">
                                   <p:stCondLst>
                                     <p:cond delay="0"/>
                                   </p:stCondLst>
                                   <p:childTnLst>
                                     <p:set>
                                       <p:cBhvr>
-                                        <p:cTn id="55" dur="1" fill="hold">
+                                        <p:cTn id="48" dur="1" fill="hold">
                                           <p:stCondLst>
                                             <p:cond delay="0"/>
                                           </p:stCondLst>
@@ -55960,7 +57785,7 @@
                                     </p:set>
                                     <p:anim calcmode="lin" valueType="num">
                                       <p:cBhvr>
-                                        <p:cTn id="56" dur="500" fill="hold"/>
+                                        <p:cTn id="49" dur="500" fill="hold"/>
                                         <p:tgtEl>
                                           <p:spTgt spid="58"/>
                                         </p:tgtEl>
@@ -55983,7 +57808,7 @@
                                     </p:anim>
                                     <p:anim calcmode="lin" valueType="num">
                                       <p:cBhvr>
-                                        <p:cTn id="57" dur="500" fill="hold"/>
+                                        <p:cTn id="50" dur="500" fill="hold"/>
                                         <p:tgtEl>
                                           <p:spTgt spid="58"/>
                                         </p:tgtEl>
@@ -56006,7 +57831,7 @@
                                     </p:anim>
                                     <p:animEffect transition="in" filter="fade">
                                       <p:cBhvr>
-                                        <p:cTn id="58" dur="500"/>
+                                        <p:cTn id="51" dur="500"/>
                                         <p:tgtEl>
                                           <p:spTgt spid="58"/>
                                         </p:tgtEl>
@@ -56043,7 +57868,6 @@
       </p:par>
     </p:tnLst>
     <p:bldLst>
-      <p:bldP spid="4" grpId="0" animBg="1"/>
       <p:bldP spid="39" grpId="0" animBg="1"/>
       <p:bldP spid="53" grpId="0" animBg="1"/>
       <p:bldP spid="54" grpId="0" animBg="1"/>
@@ -56137,7 +57961,15 @@
           <a:p>
             <a:r>
               <a:rPr lang="it-IT" dirty="0" err="1"/>
-              <a:t>Error-proof</a:t>
+              <a:t>Error</a:t>
+            </a:r>
+            <a:r>
+              <a:rPr lang="it-IT" dirty="0"/>
+              <a:t> </a:t>
+            </a:r>
+            <a:r>
+              <a:rPr lang="it-IT" dirty="0" err="1"/>
+              <a:t>proof</a:t>
             </a:r>
             <a:r>
               <a:rPr lang="it-IT" dirty="0"/>
